--- a/assets/img/presentation.pptx
+++ b/assets/img/presentation.pptx
@@ -5,17 +5,18 @@
     <p:sldMasterId id="2147483648" r:id="rId1"/>
   </p:sldMasterIdLst>
   <p:notesMasterIdLst>
-    <p:notesMasterId r:id="rId10"/>
+    <p:notesMasterId r:id="rId11"/>
   </p:notesMasterIdLst>
   <p:sldIdLst>
     <p:sldId id="256" r:id="rId2"/>
     <p:sldId id="257" r:id="rId3"/>
     <p:sldId id="258" r:id="rId4"/>
     <p:sldId id="259" r:id="rId5"/>
-    <p:sldId id="260" r:id="rId6"/>
-    <p:sldId id="261" r:id="rId7"/>
-    <p:sldId id="262" r:id="rId8"/>
-    <p:sldId id="263" r:id="rId9"/>
+    <p:sldId id="264" r:id="rId6"/>
+    <p:sldId id="260" r:id="rId7"/>
+    <p:sldId id="261" r:id="rId8"/>
+    <p:sldId id="262" r:id="rId9"/>
+    <p:sldId id="263" r:id="rId10"/>
   </p:sldIdLst>
   <p:sldSz cx="12192000" cy="6858000"/>
   <p:notesSz cx="6858000" cy="9144000"/>
@@ -204,7 +205,7 @@
           <a:p>
             <a:fld id="{D44F817C-1F76-49FF-825B-581AE5853D77}" type="datetimeFigureOut">
               <a:rPr lang="en-US" smtClean="0"/>
-              <a:t>6/16/2024</a:t>
+              <a:t>6/17/2024</a:t>
             </a:fld>
             <a:endParaRPr lang="en-US"/>
           </a:p>
@@ -702,7 +703,7 @@
           <a:p>
             <a:fld id="{49D99DE5-9C0E-4375-81A5-A8F9BC26778A}" type="datetimeFigureOut">
               <a:rPr lang="en-US" smtClean="0"/>
-              <a:t>6/16/2024</a:t>
+              <a:t>6/17/2024</a:t>
             </a:fld>
             <a:endParaRPr lang="en-US"/>
           </a:p>
@@ -900,7 +901,7 @@
           <a:p>
             <a:fld id="{49D99DE5-9C0E-4375-81A5-A8F9BC26778A}" type="datetimeFigureOut">
               <a:rPr lang="en-US" smtClean="0"/>
-              <a:t>6/16/2024</a:t>
+              <a:t>6/17/2024</a:t>
             </a:fld>
             <a:endParaRPr lang="en-US"/>
           </a:p>
@@ -1108,7 +1109,7 @@
           <a:p>
             <a:fld id="{49D99DE5-9C0E-4375-81A5-A8F9BC26778A}" type="datetimeFigureOut">
               <a:rPr lang="en-US" smtClean="0"/>
-              <a:t>6/16/2024</a:t>
+              <a:t>6/17/2024</a:t>
             </a:fld>
             <a:endParaRPr lang="en-US"/>
           </a:p>
@@ -1306,7 +1307,7 @@
           <a:p>
             <a:fld id="{49D99DE5-9C0E-4375-81A5-A8F9BC26778A}" type="datetimeFigureOut">
               <a:rPr lang="en-US" smtClean="0"/>
-              <a:t>6/16/2024</a:t>
+              <a:t>6/17/2024</a:t>
             </a:fld>
             <a:endParaRPr lang="en-US"/>
           </a:p>
@@ -1581,7 +1582,7 @@
           <a:p>
             <a:fld id="{49D99DE5-9C0E-4375-81A5-A8F9BC26778A}" type="datetimeFigureOut">
               <a:rPr lang="en-US" smtClean="0"/>
-              <a:t>6/16/2024</a:t>
+              <a:t>6/17/2024</a:t>
             </a:fld>
             <a:endParaRPr lang="en-US"/>
           </a:p>
@@ -1846,7 +1847,7 @@
           <a:p>
             <a:fld id="{49D99DE5-9C0E-4375-81A5-A8F9BC26778A}" type="datetimeFigureOut">
               <a:rPr lang="en-US" smtClean="0"/>
-              <a:t>6/16/2024</a:t>
+              <a:t>6/17/2024</a:t>
             </a:fld>
             <a:endParaRPr lang="en-US"/>
           </a:p>
@@ -2258,7 +2259,7 @@
           <a:p>
             <a:fld id="{49D99DE5-9C0E-4375-81A5-A8F9BC26778A}" type="datetimeFigureOut">
               <a:rPr lang="en-US" smtClean="0"/>
-              <a:t>6/16/2024</a:t>
+              <a:t>6/17/2024</a:t>
             </a:fld>
             <a:endParaRPr lang="en-US"/>
           </a:p>
@@ -2399,7 +2400,7 @@
           <a:p>
             <a:fld id="{49D99DE5-9C0E-4375-81A5-A8F9BC26778A}" type="datetimeFigureOut">
               <a:rPr lang="en-US" smtClean="0"/>
-              <a:t>6/16/2024</a:t>
+              <a:t>6/17/2024</a:t>
             </a:fld>
             <a:endParaRPr lang="en-US"/>
           </a:p>
@@ -2512,7 +2513,7 @@
           <a:p>
             <a:fld id="{49D99DE5-9C0E-4375-81A5-A8F9BC26778A}" type="datetimeFigureOut">
               <a:rPr lang="en-US" smtClean="0"/>
-              <a:t>6/16/2024</a:t>
+              <a:t>6/17/2024</a:t>
             </a:fld>
             <a:endParaRPr lang="en-US"/>
           </a:p>
@@ -2823,7 +2824,7 @@
           <a:p>
             <a:fld id="{49D99DE5-9C0E-4375-81A5-A8F9BC26778A}" type="datetimeFigureOut">
               <a:rPr lang="en-US" smtClean="0"/>
-              <a:t>6/16/2024</a:t>
+              <a:t>6/17/2024</a:t>
             </a:fld>
             <a:endParaRPr lang="en-US"/>
           </a:p>
@@ -3111,7 +3112,7 @@
           <a:p>
             <a:fld id="{49D99DE5-9C0E-4375-81A5-A8F9BC26778A}" type="datetimeFigureOut">
               <a:rPr lang="en-US" smtClean="0"/>
-              <a:t>6/16/2024</a:t>
+              <a:t>6/17/2024</a:t>
             </a:fld>
             <a:endParaRPr lang="en-US"/>
           </a:p>
@@ -3352,7 +3353,7 @@
           <a:p>
             <a:fld id="{49D99DE5-9C0E-4375-81A5-A8F9BC26778A}" type="datetimeFigureOut">
               <a:rPr lang="en-US" smtClean="0"/>
-              <a:t>6/16/2024</a:t>
+              <a:t>6/17/2024</a:t>
             </a:fld>
             <a:endParaRPr lang="en-US"/>
           </a:p>
@@ -7605,10 +7606,10 @@
       </p:grpSpPr>
       <p:pic>
         <p:nvPicPr>
-          <p:cNvPr id="5" name="Picture 4">
-            <a:extLst>
-              <a:ext uri="{FF2B5EF4-FFF2-40B4-BE49-F238E27FC236}">
-                <a16:creationId xmlns:a16="http://schemas.microsoft.com/office/drawing/2014/main" id="{098DBC18-42EA-E721-5C5D-E55BB9EE9BC4}"/>
+          <p:cNvPr id="12" name="Picture 11">
+            <a:extLst>
+              <a:ext uri="{FF2B5EF4-FFF2-40B4-BE49-F238E27FC236}">
+                <a16:creationId xmlns:a16="http://schemas.microsoft.com/office/drawing/2014/main" id="{7DDFA8CA-3CDF-A3FC-DA3A-D9524B50A251}"/>
               </a:ext>
             </a:extLst>
           </p:cNvPr>
@@ -7619,13 +7620,13 @@
         </p:nvPicPr>
         <p:blipFill rotWithShape="1">
           <a:blip r:embed="rId2"/>
-          <a:srcRect b="22207"/>
+          <a:srcRect t="498" b="28334"/>
           <a:stretch/>
         </p:blipFill>
         <p:spPr>
           <a:xfrm>
-            <a:off x="861282" y="618733"/>
-            <a:ext cx="10469436" cy="4372367"/>
+            <a:off x="3112739" y="1143000"/>
+            <a:ext cx="6792273" cy="3362739"/>
           </a:xfrm>
           <a:prstGeom prst="rect">
             <a:avLst/>
@@ -7634,10 +7635,10 @@
       </p:pic>
       <p:sp>
         <p:nvSpPr>
-          <p:cNvPr id="7" name="Rectangle 6">
-            <a:extLst>
-              <a:ext uri="{FF2B5EF4-FFF2-40B4-BE49-F238E27FC236}">
-                <a16:creationId xmlns:a16="http://schemas.microsoft.com/office/drawing/2014/main" id="{51342FA0-98A5-8ED3-87F8-6BF387C869FE}"/>
+          <p:cNvPr id="9" name="Rectangle 8">
+            <a:extLst>
+              <a:ext uri="{FF2B5EF4-FFF2-40B4-BE49-F238E27FC236}">
+                <a16:creationId xmlns:a16="http://schemas.microsoft.com/office/drawing/2014/main" id="{CB97A61B-BED9-18D2-B005-D237DD2C23BD}"/>
               </a:ext>
             </a:extLst>
           </p:cNvPr>
@@ -7646,8 +7647,8 @@
         </p:nvSpPr>
         <p:spPr>
           <a:xfrm>
-            <a:off x="6591300" y="1047750"/>
-            <a:ext cx="4739418" cy="3943350"/>
+            <a:off x="6353412" y="4258346"/>
+            <a:ext cx="3517961" cy="247393"/>
           </a:xfrm>
           <a:prstGeom prst="rect">
             <a:avLst/>
@@ -7689,7 +7690,7 @@
           <p:cNvPr id="6" name="Picture 5">
             <a:extLst>
               <a:ext uri="{FF2B5EF4-FFF2-40B4-BE49-F238E27FC236}">
-                <a16:creationId xmlns:a16="http://schemas.microsoft.com/office/drawing/2014/main" id="{3714F51B-9020-A0AE-B373-9B5A2DE93C36}"/>
+                <a16:creationId xmlns:a16="http://schemas.microsoft.com/office/drawing/2014/main" id="{35CCEFEE-A093-1B81-DCF9-BF14A62DCD81}"/>
               </a:ext>
             </a:extLst>
           </p:cNvPr>
@@ -7705,8 +7706,8 @@
         </p:blipFill>
         <p:spPr>
           <a:xfrm>
-            <a:off x="6619875" y="1280713"/>
-            <a:ext cx="4597687" cy="3515523"/>
+            <a:off x="6388235" y="1681969"/>
+            <a:ext cx="3435061" cy="2626546"/>
           </a:xfrm>
           <a:prstGeom prst="rect">
             <a:avLst/>
@@ -7722,10 +7723,10 @@
       </p:pic>
       <p:sp>
         <p:nvSpPr>
-          <p:cNvPr id="8" name="Rectangle 7">
-            <a:extLst>
-              <a:ext uri="{FF2B5EF4-FFF2-40B4-BE49-F238E27FC236}">
-                <a16:creationId xmlns:a16="http://schemas.microsoft.com/office/drawing/2014/main" id="{7F244C9F-CD01-A0F3-8FE7-E8F6227CABFE}"/>
+          <p:cNvPr id="7" name="Rectangle 6">
+            <a:extLst>
+              <a:ext uri="{FF2B5EF4-FFF2-40B4-BE49-F238E27FC236}">
+                <a16:creationId xmlns:a16="http://schemas.microsoft.com/office/drawing/2014/main" id="{72BE37CA-6A35-BF55-4DD4-A9ED62641B35}"/>
               </a:ext>
             </a:extLst>
           </p:cNvPr>
@@ -7734,17 +7735,20 @@
         </p:nvSpPr>
         <p:spPr>
           <a:xfrm>
-            <a:off x="6724650" y="3000375"/>
-            <a:ext cx="1276350" cy="409575"/>
+            <a:off x="6467242" y="2966793"/>
+            <a:ext cx="921543" cy="284661"/>
           </a:xfrm>
           <a:prstGeom prst="rect">
             <a:avLst/>
           </a:prstGeom>
           <a:solidFill>
             <a:srgbClr val="C00000">
-              <a:alpha val="28000"/>
+              <a:alpha val="22000"/>
             </a:srgbClr>
           </a:solidFill>
+          <a:ln>
+            <a:noFill/>
+          </a:ln>
         </p:spPr>
         <p:style>
           <a:lnRef idx="2">
@@ -7773,10 +7777,10 @@
       </p:sp>
       <p:sp>
         <p:nvSpPr>
-          <p:cNvPr id="9" name="Rectangle 8">
-            <a:extLst>
-              <a:ext uri="{FF2B5EF4-FFF2-40B4-BE49-F238E27FC236}">
-                <a16:creationId xmlns:a16="http://schemas.microsoft.com/office/drawing/2014/main" id="{5490F20D-DA4B-4835-B350-AA96BC0EC84E}"/>
+          <p:cNvPr id="8" name="Rectangle 7">
+            <a:extLst>
+              <a:ext uri="{FF2B5EF4-FFF2-40B4-BE49-F238E27FC236}">
+                <a16:creationId xmlns:a16="http://schemas.microsoft.com/office/drawing/2014/main" id="{A110F9EE-F1F4-EF0C-2311-7AB0D27D462E}"/>
               </a:ext>
             </a:extLst>
           </p:cNvPr>
@@ -7785,17 +7789,20 @@
         </p:nvSpPr>
         <p:spPr>
           <a:xfrm>
-            <a:off x="6724650" y="4229100"/>
-            <a:ext cx="2514600" cy="171842"/>
+            <a:off x="6460616" y="3881959"/>
+            <a:ext cx="1872904" cy="128484"/>
           </a:xfrm>
           <a:prstGeom prst="rect">
             <a:avLst/>
           </a:prstGeom>
           <a:solidFill>
             <a:srgbClr val="C00000">
-              <a:alpha val="28000"/>
+              <a:alpha val="22000"/>
             </a:srgbClr>
           </a:solidFill>
+          <a:ln>
+            <a:noFill/>
+          </a:ln>
         </p:spPr>
         <p:style>
           <a:lnRef idx="2">
@@ -7822,10 +7829,114 @@
           </a:p>
         </p:txBody>
       </p:sp>
+      <p:sp>
+        <p:nvSpPr>
+          <p:cNvPr id="10" name="Rectangle 9">
+            <a:extLst>
+              <a:ext uri="{FF2B5EF4-FFF2-40B4-BE49-F238E27FC236}">
+                <a16:creationId xmlns:a16="http://schemas.microsoft.com/office/drawing/2014/main" id="{B4142CAE-AA42-ECF3-DD55-1B0C53B5F0A4}"/>
+              </a:ext>
+            </a:extLst>
+          </p:cNvPr>
+          <p:cNvSpPr/>
+          <p:nvPr/>
+        </p:nvSpPr>
+        <p:spPr>
+          <a:xfrm>
+            <a:off x="6402860" y="1203715"/>
+            <a:ext cx="1727349" cy="320286"/>
+          </a:xfrm>
+          <a:prstGeom prst="rect">
+            <a:avLst/>
+          </a:prstGeom>
+          <a:solidFill>
+            <a:srgbClr val="F0F0F0"/>
+          </a:solidFill>
+          <a:ln>
+            <a:noFill/>
+          </a:ln>
+        </p:spPr>
+        <p:style>
+          <a:lnRef idx="2">
+            <a:schemeClr val="accent1">
+              <a:shade val="15000"/>
+            </a:schemeClr>
+          </a:lnRef>
+          <a:fillRef idx="1">
+            <a:schemeClr val="accent1"/>
+          </a:fillRef>
+          <a:effectRef idx="0">
+            <a:schemeClr val="accent1"/>
+          </a:effectRef>
+          <a:fontRef idx="minor">
+            <a:schemeClr val="lt1"/>
+          </a:fontRef>
+        </p:style>
+        <p:txBody>
+          <a:bodyPr rtlCol="0" anchor="ctr"/>
+          <a:lstStyle/>
+          <a:p>
+            <a:pPr algn="ctr"/>
+            <a:endParaRPr lang="en-US"/>
+          </a:p>
+        </p:txBody>
+      </p:sp>
+      <p:sp>
+        <p:nvSpPr>
+          <p:cNvPr id="13" name="Rectangle 12">
+            <a:extLst>
+              <a:ext uri="{FF2B5EF4-FFF2-40B4-BE49-F238E27FC236}">
+                <a16:creationId xmlns:a16="http://schemas.microsoft.com/office/drawing/2014/main" id="{0174DDC7-2407-FD95-705B-DBE5003C037E}"/>
+              </a:ext>
+            </a:extLst>
+          </p:cNvPr>
+          <p:cNvSpPr/>
+          <p:nvPr/>
+        </p:nvSpPr>
+        <p:spPr>
+          <a:xfrm>
+            <a:off x="6367450" y="1510748"/>
+            <a:ext cx="3503924" cy="151343"/>
+          </a:xfrm>
+          <a:prstGeom prst="rect">
+            <a:avLst/>
+          </a:prstGeom>
+          <a:solidFill>
+            <a:srgbClr val="F0F0F0"/>
+          </a:solidFill>
+          <a:ln>
+            <a:noFill/>
+          </a:ln>
+        </p:spPr>
+        <p:style>
+          <a:lnRef idx="2">
+            <a:schemeClr val="accent1">
+              <a:shade val="15000"/>
+            </a:schemeClr>
+          </a:lnRef>
+          <a:fillRef idx="1">
+            <a:schemeClr val="accent1"/>
+          </a:fillRef>
+          <a:effectRef idx="0">
+            <a:schemeClr val="accent1"/>
+          </a:effectRef>
+          <a:fontRef idx="minor">
+            <a:schemeClr val="lt1"/>
+          </a:fontRef>
+        </p:style>
+        <p:txBody>
+          <a:bodyPr rtlCol="0" anchor="ctr"/>
+          <a:lstStyle/>
+          <a:p>
+            <a:pPr algn="ctr"/>
+            <a:endParaRPr lang="en-US"/>
+          </a:p>
+        </p:txBody>
+      </p:sp>
     </p:spTree>
     <p:extLst>
       <p:ext uri="{BB962C8B-B14F-4D97-AF65-F5344CB8AC3E}">
-        <p14:creationId xmlns:p14="http://schemas.microsoft.com/office/powerpoint/2010/main" val="2965974814"/>
+        <p14:creationId xmlns:p14="http://schemas.microsoft.com/office/powerpoint/2010/main" val="1613971698"/>
       </p:ext>
     </p:extLst>
   </p:cSld>
@@ -7857,7 +7968,7 @@
           <p:cNvPr id="5" name="Picture 4">
             <a:extLst>
               <a:ext uri="{FF2B5EF4-FFF2-40B4-BE49-F238E27FC236}">
-                <a16:creationId xmlns:a16="http://schemas.microsoft.com/office/drawing/2014/main" id="{141D11DD-9167-E693-F090-F21593B66DC7}"/>
+                <a16:creationId xmlns:a16="http://schemas.microsoft.com/office/drawing/2014/main" id="{098DBC18-42EA-E721-5C5D-E55BB9EE9BC4}"/>
               </a:ext>
             </a:extLst>
           </p:cNvPr>
@@ -7866,16 +7977,15 @@
           </p:cNvPicPr>
           <p:nvPr/>
         </p:nvPicPr>
-        <p:blipFill>
+        <p:blipFill rotWithShape="1">
           <a:blip r:embed="rId2"/>
-          <a:stretch>
-            <a:fillRect/>
-          </a:stretch>
+          <a:srcRect b="22207"/>
+          <a:stretch/>
         </p:blipFill>
         <p:spPr>
           <a:xfrm>
-            <a:off x="0" y="94653"/>
-            <a:ext cx="12192000" cy="6668693"/>
+            <a:off x="861282" y="618733"/>
+            <a:ext cx="10469436" cy="4372367"/>
           </a:xfrm>
           <a:prstGeom prst="rect">
             <a:avLst/>
@@ -7884,10 +7994,10 @@
       </p:pic>
       <p:sp>
         <p:nvSpPr>
-          <p:cNvPr id="6" name="Rectangle 5">
-            <a:extLst>
-              <a:ext uri="{FF2B5EF4-FFF2-40B4-BE49-F238E27FC236}">
-                <a16:creationId xmlns:a16="http://schemas.microsoft.com/office/drawing/2014/main" id="{5BEDA309-97C1-0176-0C56-F71EE19E81B3}"/>
+          <p:cNvPr id="7" name="Rectangle 6">
+            <a:extLst>
+              <a:ext uri="{FF2B5EF4-FFF2-40B4-BE49-F238E27FC236}">
+                <a16:creationId xmlns:a16="http://schemas.microsoft.com/office/drawing/2014/main" id="{51342FA0-98A5-8ED3-87F8-6BF387C869FE}"/>
               </a:ext>
             </a:extLst>
           </p:cNvPr>
@@ -7896,14 +8006,14 @@
         </p:nvSpPr>
         <p:spPr>
           <a:xfrm>
-            <a:off x="11153775" y="609599"/>
-            <a:ext cx="561975" cy="600075"/>
+            <a:off x="6591300" y="1047750"/>
+            <a:ext cx="4739418" cy="3943350"/>
           </a:xfrm>
           <a:prstGeom prst="rect">
             <a:avLst/>
           </a:prstGeom>
           <a:solidFill>
-            <a:srgbClr val="FFFFFF"/>
+            <a:srgbClr val="F0F0F0"/>
           </a:solidFill>
           <a:ln>
             <a:noFill/>
@@ -7934,32 +8044,67 @@
           </a:p>
         </p:txBody>
       </p:sp>
-      <p:sp>
-        <p:nvSpPr>
-          <p:cNvPr id="7" name="Rectangle 6">
-            <a:extLst>
-              <a:ext uri="{FF2B5EF4-FFF2-40B4-BE49-F238E27FC236}">
-                <a16:creationId xmlns:a16="http://schemas.microsoft.com/office/drawing/2014/main" id="{8287EA74-DAAF-A06F-778D-EACF50E0D7B8}"/>
-              </a:ext>
-            </a:extLst>
-          </p:cNvPr>
-          <p:cNvSpPr/>
-          <p:nvPr/>
-        </p:nvSpPr>
-        <p:spPr>
-          <a:xfrm>
-            <a:off x="10377489" y="147638"/>
-            <a:ext cx="862012" cy="200026"/>
+      <p:pic>
+        <p:nvPicPr>
+          <p:cNvPr id="6" name="Picture 5">
+            <a:extLst>
+              <a:ext uri="{FF2B5EF4-FFF2-40B4-BE49-F238E27FC236}">
+                <a16:creationId xmlns:a16="http://schemas.microsoft.com/office/drawing/2014/main" id="{3714F51B-9020-A0AE-B373-9B5A2DE93C36}"/>
+              </a:ext>
+            </a:extLst>
+          </p:cNvPr>
+          <p:cNvPicPr>
+            <a:picLocks noChangeAspect="1"/>
+          </p:cNvPicPr>
+          <p:nvPr/>
+        </p:nvPicPr>
+        <p:blipFill rotWithShape="1">
+          <a:blip r:embed="rId3"/>
+          <a:srcRect b="15436"/>
+          <a:stretch/>
+        </p:blipFill>
+        <p:spPr>
+          <a:xfrm>
+            <a:off x="6619875" y="1280713"/>
+            <a:ext cx="4597687" cy="3515523"/>
           </a:xfrm>
           <a:prstGeom prst="rect">
             <a:avLst/>
           </a:prstGeom>
+          <a:ln w="22225">
+            <a:solidFill>
+              <a:schemeClr val="bg1">
+                <a:lumMod val="85000"/>
+              </a:schemeClr>
+            </a:solidFill>
+          </a:ln>
+        </p:spPr>
+      </p:pic>
+      <p:sp>
+        <p:nvSpPr>
+          <p:cNvPr id="8" name="Rectangle 7">
+            <a:extLst>
+              <a:ext uri="{FF2B5EF4-FFF2-40B4-BE49-F238E27FC236}">
+                <a16:creationId xmlns:a16="http://schemas.microsoft.com/office/drawing/2014/main" id="{7F244C9F-CD01-A0F3-8FE7-E8F6227CABFE}"/>
+              </a:ext>
+            </a:extLst>
+          </p:cNvPr>
+          <p:cNvSpPr/>
+          <p:nvPr/>
+        </p:nvSpPr>
+        <p:spPr>
+          <a:xfrm>
+            <a:off x="6724650" y="3000375"/>
+            <a:ext cx="1276350" cy="409575"/>
+          </a:xfrm>
+          <a:prstGeom prst="rect">
+            <a:avLst/>
+          </a:prstGeom>
           <a:solidFill>
-            <a:srgbClr val="E9EEF1"/>
+            <a:srgbClr val="C00000">
+              <a:alpha val="28000"/>
+            </a:srgbClr>
           </a:solidFill>
-          <a:ln>
-            <a:noFill/>
-          </a:ln>
         </p:spPr>
         <p:style>
           <a:lnRef idx="2">
@@ -7986,10 +8131,61 @@
           </a:p>
         </p:txBody>
       </p:sp>
+      <p:sp>
+        <p:nvSpPr>
+          <p:cNvPr id="9" name="Rectangle 8">
+            <a:extLst>
+              <a:ext uri="{FF2B5EF4-FFF2-40B4-BE49-F238E27FC236}">
+                <a16:creationId xmlns:a16="http://schemas.microsoft.com/office/drawing/2014/main" id="{5490F20D-DA4B-4835-B350-AA96BC0EC84E}"/>
+              </a:ext>
+            </a:extLst>
+          </p:cNvPr>
+          <p:cNvSpPr/>
+          <p:nvPr/>
+        </p:nvSpPr>
+        <p:spPr>
+          <a:xfrm>
+            <a:off x="6724650" y="4229100"/>
+            <a:ext cx="2514600" cy="171842"/>
+          </a:xfrm>
+          <a:prstGeom prst="rect">
+            <a:avLst/>
+          </a:prstGeom>
+          <a:solidFill>
+            <a:srgbClr val="C00000">
+              <a:alpha val="28000"/>
+            </a:srgbClr>
+          </a:solidFill>
+        </p:spPr>
+        <p:style>
+          <a:lnRef idx="2">
+            <a:schemeClr val="accent1">
+              <a:shade val="15000"/>
+            </a:schemeClr>
+          </a:lnRef>
+          <a:fillRef idx="1">
+            <a:schemeClr val="accent1"/>
+          </a:fillRef>
+          <a:effectRef idx="0">
+            <a:schemeClr val="accent1"/>
+          </a:effectRef>
+          <a:fontRef idx="minor">
+            <a:schemeClr val="lt1"/>
+          </a:fontRef>
+        </p:style>
+        <p:txBody>
+          <a:bodyPr rtlCol="0" anchor="ctr"/>
+          <a:lstStyle/>
+          <a:p>
+            <a:pPr algn="ctr"/>
+            <a:endParaRPr lang="en-US"/>
+          </a:p>
+        </p:txBody>
+      </p:sp>
     </p:spTree>
     <p:extLst>
       <p:ext uri="{BB962C8B-B14F-4D97-AF65-F5344CB8AC3E}">
-        <p14:creationId xmlns:p14="http://schemas.microsoft.com/office/powerpoint/2010/main" val="1225572412"/>
+        <p14:creationId xmlns:p14="http://schemas.microsoft.com/office/powerpoint/2010/main" val="2965974814"/>
       </p:ext>
     </p:extLst>
   </p:cSld>
@@ -8016,6 +8212,170 @@
           <a:chExt cx="0" cy="0"/>
         </a:xfrm>
       </p:grpSpPr>
+      <p:pic>
+        <p:nvPicPr>
+          <p:cNvPr id="5" name="Picture 4">
+            <a:extLst>
+              <a:ext uri="{FF2B5EF4-FFF2-40B4-BE49-F238E27FC236}">
+                <a16:creationId xmlns:a16="http://schemas.microsoft.com/office/drawing/2014/main" id="{141D11DD-9167-E693-F090-F21593B66DC7}"/>
+              </a:ext>
+            </a:extLst>
+          </p:cNvPr>
+          <p:cNvPicPr>
+            <a:picLocks noChangeAspect="1"/>
+          </p:cNvPicPr>
+          <p:nvPr/>
+        </p:nvPicPr>
+        <p:blipFill>
+          <a:blip r:embed="rId2"/>
+          <a:stretch>
+            <a:fillRect/>
+          </a:stretch>
+        </p:blipFill>
+        <p:spPr>
+          <a:xfrm>
+            <a:off x="0" y="94653"/>
+            <a:ext cx="12192000" cy="6668693"/>
+          </a:xfrm>
+          <a:prstGeom prst="rect">
+            <a:avLst/>
+          </a:prstGeom>
+        </p:spPr>
+      </p:pic>
+      <p:sp>
+        <p:nvSpPr>
+          <p:cNvPr id="6" name="Rectangle 5">
+            <a:extLst>
+              <a:ext uri="{FF2B5EF4-FFF2-40B4-BE49-F238E27FC236}">
+                <a16:creationId xmlns:a16="http://schemas.microsoft.com/office/drawing/2014/main" id="{5BEDA309-97C1-0176-0C56-F71EE19E81B3}"/>
+              </a:ext>
+            </a:extLst>
+          </p:cNvPr>
+          <p:cNvSpPr/>
+          <p:nvPr/>
+        </p:nvSpPr>
+        <p:spPr>
+          <a:xfrm>
+            <a:off x="11153775" y="609599"/>
+            <a:ext cx="561975" cy="600075"/>
+          </a:xfrm>
+          <a:prstGeom prst="rect">
+            <a:avLst/>
+          </a:prstGeom>
+          <a:solidFill>
+            <a:srgbClr val="FFFFFF"/>
+          </a:solidFill>
+          <a:ln>
+            <a:noFill/>
+          </a:ln>
+        </p:spPr>
+        <p:style>
+          <a:lnRef idx="2">
+            <a:schemeClr val="accent1">
+              <a:shade val="15000"/>
+            </a:schemeClr>
+          </a:lnRef>
+          <a:fillRef idx="1">
+            <a:schemeClr val="accent1"/>
+          </a:fillRef>
+          <a:effectRef idx="0">
+            <a:schemeClr val="accent1"/>
+          </a:effectRef>
+          <a:fontRef idx="minor">
+            <a:schemeClr val="lt1"/>
+          </a:fontRef>
+        </p:style>
+        <p:txBody>
+          <a:bodyPr rtlCol="0" anchor="ctr"/>
+          <a:lstStyle/>
+          <a:p>
+            <a:pPr algn="ctr"/>
+            <a:endParaRPr lang="en-US"/>
+          </a:p>
+        </p:txBody>
+      </p:sp>
+      <p:sp>
+        <p:nvSpPr>
+          <p:cNvPr id="7" name="Rectangle 6">
+            <a:extLst>
+              <a:ext uri="{FF2B5EF4-FFF2-40B4-BE49-F238E27FC236}">
+                <a16:creationId xmlns:a16="http://schemas.microsoft.com/office/drawing/2014/main" id="{8287EA74-DAAF-A06F-778D-EACF50E0D7B8}"/>
+              </a:ext>
+            </a:extLst>
+          </p:cNvPr>
+          <p:cNvSpPr/>
+          <p:nvPr/>
+        </p:nvSpPr>
+        <p:spPr>
+          <a:xfrm>
+            <a:off x="10377489" y="147638"/>
+            <a:ext cx="862012" cy="200026"/>
+          </a:xfrm>
+          <a:prstGeom prst="rect">
+            <a:avLst/>
+          </a:prstGeom>
+          <a:solidFill>
+            <a:srgbClr val="E9EEF1"/>
+          </a:solidFill>
+          <a:ln>
+            <a:noFill/>
+          </a:ln>
+        </p:spPr>
+        <p:style>
+          <a:lnRef idx="2">
+            <a:schemeClr val="accent1">
+              <a:shade val="15000"/>
+            </a:schemeClr>
+          </a:lnRef>
+          <a:fillRef idx="1">
+            <a:schemeClr val="accent1"/>
+          </a:fillRef>
+          <a:effectRef idx="0">
+            <a:schemeClr val="accent1"/>
+          </a:effectRef>
+          <a:fontRef idx="minor">
+            <a:schemeClr val="lt1"/>
+          </a:fontRef>
+        </p:style>
+        <p:txBody>
+          <a:bodyPr rtlCol="0" anchor="ctr"/>
+          <a:lstStyle/>
+          <a:p>
+            <a:pPr algn="ctr"/>
+            <a:endParaRPr lang="en-US"/>
+          </a:p>
+        </p:txBody>
+      </p:sp>
+    </p:spTree>
+    <p:extLst>
+      <p:ext uri="{BB962C8B-B14F-4D97-AF65-F5344CB8AC3E}">
+        <p14:creationId xmlns:p14="http://schemas.microsoft.com/office/powerpoint/2010/main" val="1225572412"/>
+      </p:ext>
+    </p:extLst>
+  </p:cSld>
+  <p:clrMapOvr>
+    <a:masterClrMapping/>
+  </p:clrMapOvr>
+</p:sld>
+</file>
+
+<file path=ppt/slides/slide8.xml><?xml version="1.0" encoding="utf-8"?>
+<p:sld xmlns:a="http://schemas.openxmlformats.org/drawingml/2006/main" xmlns:r="http://schemas.openxmlformats.org/officeDocument/2006/relationships" xmlns:p="http://schemas.openxmlformats.org/presentationml/2006/main">
+  <p:cSld>
+    <p:spTree>
+      <p:nvGrpSpPr>
+        <p:cNvPr id="1" name=""/>
+        <p:cNvGrpSpPr/>
+        <p:nvPr/>
+      </p:nvGrpSpPr>
+      <p:grpSpPr>
+        <a:xfrm>
+          <a:off x="0" y="0"/>
+          <a:ext cx="0" cy="0"/>
+          <a:chOff x="0" y="0"/>
+          <a:chExt cx="0" cy="0"/>
+        </a:xfrm>
+      </p:grpSpPr>
       <p:cxnSp>
         <p:nvCxnSpPr>
           <p:cNvPr id="5" name="Straight Connector 4">
@@ -8550,7 +8910,7 @@
 </p:sld>
 </file>
 
-<file path=ppt/slides/slide8.xml><?xml version="1.0" encoding="utf-8"?>
+<file path=ppt/slides/slide9.xml><?xml version="1.0" encoding="utf-8"?>
 <p:sld xmlns:a="http://schemas.openxmlformats.org/drawingml/2006/main" xmlns:r="http://schemas.openxmlformats.org/officeDocument/2006/relationships" xmlns:p="http://schemas.openxmlformats.org/presentationml/2006/main">
   <p:cSld>
     <p:spTree>

--- a/assets/img/presentation.pptx
+++ b/assets/img/presentation.pptx
@@ -5,7 +5,7 @@
     <p:sldMasterId id="2147483648" r:id="rId1"/>
   </p:sldMasterIdLst>
   <p:notesMasterIdLst>
-    <p:notesMasterId r:id="rId11"/>
+    <p:notesMasterId r:id="rId12"/>
   </p:notesMasterIdLst>
   <p:sldIdLst>
     <p:sldId id="256" r:id="rId2"/>
@@ -13,10 +13,11 @@
     <p:sldId id="258" r:id="rId4"/>
     <p:sldId id="259" r:id="rId5"/>
     <p:sldId id="264" r:id="rId6"/>
-    <p:sldId id="260" r:id="rId7"/>
-    <p:sldId id="261" r:id="rId8"/>
-    <p:sldId id="262" r:id="rId9"/>
-    <p:sldId id="263" r:id="rId10"/>
+    <p:sldId id="265" r:id="rId7"/>
+    <p:sldId id="260" r:id="rId8"/>
+    <p:sldId id="261" r:id="rId9"/>
+    <p:sldId id="262" r:id="rId10"/>
+    <p:sldId id="263" r:id="rId11"/>
   </p:sldIdLst>
   <p:sldSz cx="12192000" cy="6858000"/>
   <p:notesSz cx="6858000" cy="9144000"/>
@@ -205,7 +206,7 @@
           <a:p>
             <a:fld id="{D44F817C-1F76-49FF-825B-581AE5853D77}" type="datetimeFigureOut">
               <a:rPr lang="en-US" smtClean="0"/>
-              <a:t>6/17/2024</a:t>
+              <a:t>10/19/2024</a:t>
             </a:fld>
             <a:endParaRPr lang="en-US"/>
           </a:p>
@@ -703,7 +704,7 @@
           <a:p>
             <a:fld id="{49D99DE5-9C0E-4375-81A5-A8F9BC26778A}" type="datetimeFigureOut">
               <a:rPr lang="en-US" smtClean="0"/>
-              <a:t>6/17/2024</a:t>
+              <a:t>10/19/2024</a:t>
             </a:fld>
             <a:endParaRPr lang="en-US"/>
           </a:p>
@@ -901,7 +902,7 @@
           <a:p>
             <a:fld id="{49D99DE5-9C0E-4375-81A5-A8F9BC26778A}" type="datetimeFigureOut">
               <a:rPr lang="en-US" smtClean="0"/>
-              <a:t>6/17/2024</a:t>
+              <a:t>10/19/2024</a:t>
             </a:fld>
             <a:endParaRPr lang="en-US"/>
           </a:p>
@@ -1109,7 +1110,7 @@
           <a:p>
             <a:fld id="{49D99DE5-9C0E-4375-81A5-A8F9BC26778A}" type="datetimeFigureOut">
               <a:rPr lang="en-US" smtClean="0"/>
-              <a:t>6/17/2024</a:t>
+              <a:t>10/19/2024</a:t>
             </a:fld>
             <a:endParaRPr lang="en-US"/>
           </a:p>
@@ -1307,7 +1308,7 @@
           <a:p>
             <a:fld id="{49D99DE5-9C0E-4375-81A5-A8F9BC26778A}" type="datetimeFigureOut">
               <a:rPr lang="en-US" smtClean="0"/>
-              <a:t>6/17/2024</a:t>
+              <a:t>10/19/2024</a:t>
             </a:fld>
             <a:endParaRPr lang="en-US"/>
           </a:p>
@@ -1582,7 +1583,7 @@
           <a:p>
             <a:fld id="{49D99DE5-9C0E-4375-81A5-A8F9BC26778A}" type="datetimeFigureOut">
               <a:rPr lang="en-US" smtClean="0"/>
-              <a:t>6/17/2024</a:t>
+              <a:t>10/19/2024</a:t>
             </a:fld>
             <a:endParaRPr lang="en-US"/>
           </a:p>
@@ -1847,7 +1848,7 @@
           <a:p>
             <a:fld id="{49D99DE5-9C0E-4375-81A5-A8F9BC26778A}" type="datetimeFigureOut">
               <a:rPr lang="en-US" smtClean="0"/>
-              <a:t>6/17/2024</a:t>
+              <a:t>10/19/2024</a:t>
             </a:fld>
             <a:endParaRPr lang="en-US"/>
           </a:p>
@@ -2259,7 +2260,7 @@
           <a:p>
             <a:fld id="{49D99DE5-9C0E-4375-81A5-A8F9BC26778A}" type="datetimeFigureOut">
               <a:rPr lang="en-US" smtClean="0"/>
-              <a:t>6/17/2024</a:t>
+              <a:t>10/19/2024</a:t>
             </a:fld>
             <a:endParaRPr lang="en-US"/>
           </a:p>
@@ -2400,7 +2401,7 @@
           <a:p>
             <a:fld id="{49D99DE5-9C0E-4375-81A5-A8F9BC26778A}" type="datetimeFigureOut">
               <a:rPr lang="en-US" smtClean="0"/>
-              <a:t>6/17/2024</a:t>
+              <a:t>10/19/2024</a:t>
             </a:fld>
             <a:endParaRPr lang="en-US"/>
           </a:p>
@@ -2513,7 +2514,7 @@
           <a:p>
             <a:fld id="{49D99DE5-9C0E-4375-81A5-A8F9BC26778A}" type="datetimeFigureOut">
               <a:rPr lang="en-US" smtClean="0"/>
-              <a:t>6/17/2024</a:t>
+              <a:t>10/19/2024</a:t>
             </a:fld>
             <a:endParaRPr lang="en-US"/>
           </a:p>
@@ -2824,7 +2825,7 @@
           <a:p>
             <a:fld id="{49D99DE5-9C0E-4375-81A5-A8F9BC26778A}" type="datetimeFigureOut">
               <a:rPr lang="en-US" smtClean="0"/>
-              <a:t>6/17/2024</a:t>
+              <a:t>10/19/2024</a:t>
             </a:fld>
             <a:endParaRPr lang="en-US"/>
           </a:p>
@@ -3112,7 +3113,7 @@
           <a:p>
             <a:fld id="{49D99DE5-9C0E-4375-81A5-A8F9BC26778A}" type="datetimeFigureOut">
               <a:rPr lang="en-US" smtClean="0"/>
-              <a:t>6/17/2024</a:t>
+              <a:t>10/19/2024</a:t>
             </a:fld>
             <a:endParaRPr lang="en-US"/>
           </a:p>
@@ -3353,7 +3354,7 @@
           <a:p>
             <a:fld id="{49D99DE5-9C0E-4375-81A5-A8F9BC26778A}" type="datetimeFigureOut">
               <a:rPr lang="en-US" smtClean="0"/>
-              <a:t>6/17/2024</a:t>
+              <a:t>10/19/2024</a:t>
             </a:fld>
             <a:endParaRPr lang="en-US"/>
           </a:p>
@@ -4545,6 +4546,476 @@
 </p:sld>
 </file>
 
+<file path=ppt/slides/slide10.xml><?xml version="1.0" encoding="utf-8"?>
+<p:sld xmlns:a="http://schemas.openxmlformats.org/drawingml/2006/main" xmlns:r="http://schemas.openxmlformats.org/officeDocument/2006/relationships" xmlns:p="http://schemas.openxmlformats.org/presentationml/2006/main">
+  <p:cSld>
+    <p:spTree>
+      <p:nvGrpSpPr>
+        <p:cNvPr id="1" name=""/>
+        <p:cNvGrpSpPr/>
+        <p:nvPr/>
+      </p:nvGrpSpPr>
+      <p:grpSpPr>
+        <a:xfrm>
+          <a:off x="0" y="0"/>
+          <a:ext cx="0" cy="0"/>
+          <a:chOff x="0" y="0"/>
+          <a:chExt cx="0" cy="0"/>
+        </a:xfrm>
+      </p:grpSpPr>
+      <p:pic>
+        <p:nvPicPr>
+          <p:cNvPr id="5" name="Picture 4">
+            <a:extLst>
+              <a:ext uri="{FF2B5EF4-FFF2-40B4-BE49-F238E27FC236}">
+                <a16:creationId xmlns:a16="http://schemas.microsoft.com/office/drawing/2014/main" id="{B6D8AE9F-6442-C2AA-10D9-7C81A4508621}"/>
+              </a:ext>
+            </a:extLst>
+          </p:cNvPr>
+          <p:cNvPicPr>
+            <a:picLocks noChangeAspect="1"/>
+          </p:cNvPicPr>
+          <p:nvPr/>
+        </p:nvPicPr>
+        <p:blipFill rotWithShape="1">
+          <a:blip r:embed="rId2"/>
+          <a:srcRect r="8435"/>
+          <a:stretch/>
+        </p:blipFill>
+        <p:spPr>
+          <a:xfrm>
+            <a:off x="410773" y="0"/>
+            <a:ext cx="10411198" cy="6858000"/>
+          </a:xfrm>
+          <a:prstGeom prst="rect">
+            <a:avLst/>
+          </a:prstGeom>
+        </p:spPr>
+      </p:pic>
+      <p:sp>
+        <p:nvSpPr>
+          <p:cNvPr id="8" name="Rectangle 7">
+            <a:extLst>
+              <a:ext uri="{FF2B5EF4-FFF2-40B4-BE49-F238E27FC236}">
+                <a16:creationId xmlns:a16="http://schemas.microsoft.com/office/drawing/2014/main" id="{F3DB45E7-EDE9-9676-9A24-AFBE81144AA7}"/>
+              </a:ext>
+            </a:extLst>
+          </p:cNvPr>
+          <p:cNvSpPr/>
+          <p:nvPr/>
+        </p:nvSpPr>
+        <p:spPr>
+          <a:xfrm>
+            <a:off x="9714807" y="0"/>
+            <a:ext cx="933254" cy="236529"/>
+          </a:xfrm>
+          <a:prstGeom prst="rect">
+            <a:avLst/>
+          </a:prstGeom>
+          <a:solidFill>
+            <a:srgbClr val="E9EEF1"/>
+          </a:solidFill>
+          <a:ln>
+            <a:noFill/>
+          </a:ln>
+        </p:spPr>
+        <p:style>
+          <a:lnRef idx="2">
+            <a:schemeClr val="accent1">
+              <a:shade val="15000"/>
+            </a:schemeClr>
+          </a:lnRef>
+          <a:fillRef idx="1">
+            <a:schemeClr val="accent1"/>
+          </a:fillRef>
+          <a:effectRef idx="0">
+            <a:schemeClr val="accent1"/>
+          </a:effectRef>
+          <a:fontRef idx="minor">
+            <a:schemeClr val="lt1"/>
+          </a:fontRef>
+        </p:style>
+        <p:txBody>
+          <a:bodyPr rtlCol="0" anchor="ctr"/>
+          <a:lstStyle/>
+          <a:p>
+            <a:pPr algn="ctr"/>
+            <a:endParaRPr lang="en-US"/>
+          </a:p>
+        </p:txBody>
+      </p:sp>
+      <p:sp>
+        <p:nvSpPr>
+          <p:cNvPr id="9" name="Rectangle 8">
+            <a:extLst>
+              <a:ext uri="{FF2B5EF4-FFF2-40B4-BE49-F238E27FC236}">
+                <a16:creationId xmlns:a16="http://schemas.microsoft.com/office/drawing/2014/main" id="{94B339BE-A2AB-772A-31E7-1C2A54C9C7AE}"/>
+              </a:ext>
+            </a:extLst>
+          </p:cNvPr>
+          <p:cNvSpPr/>
+          <p:nvPr/>
+        </p:nvSpPr>
+        <p:spPr>
+          <a:xfrm>
+            <a:off x="10396539" y="600629"/>
+            <a:ext cx="425432" cy="718583"/>
+          </a:xfrm>
+          <a:prstGeom prst="rect">
+            <a:avLst/>
+          </a:prstGeom>
+          <a:solidFill>
+            <a:srgbClr val="FFFFFF"/>
+          </a:solidFill>
+          <a:ln>
+            <a:noFill/>
+          </a:ln>
+        </p:spPr>
+        <p:style>
+          <a:lnRef idx="2">
+            <a:schemeClr val="accent1">
+              <a:shade val="15000"/>
+            </a:schemeClr>
+          </a:lnRef>
+          <a:fillRef idx="1">
+            <a:schemeClr val="accent1"/>
+          </a:fillRef>
+          <a:effectRef idx="0">
+            <a:schemeClr val="accent1"/>
+          </a:effectRef>
+          <a:fontRef idx="minor">
+            <a:schemeClr val="lt1"/>
+          </a:fontRef>
+        </p:style>
+        <p:txBody>
+          <a:bodyPr rtlCol="0" anchor="ctr"/>
+          <a:lstStyle/>
+          <a:p>
+            <a:pPr algn="ctr"/>
+            <a:endParaRPr lang="en-US"/>
+          </a:p>
+        </p:txBody>
+      </p:sp>
+      <p:sp>
+        <p:nvSpPr>
+          <p:cNvPr id="10" name="Rectangle 9">
+            <a:extLst>
+              <a:ext uri="{FF2B5EF4-FFF2-40B4-BE49-F238E27FC236}">
+                <a16:creationId xmlns:a16="http://schemas.microsoft.com/office/drawing/2014/main" id="{CA8368CB-7EDA-840B-C3D4-E32C0D9567DC}"/>
+              </a:ext>
+            </a:extLst>
+          </p:cNvPr>
+          <p:cNvSpPr/>
+          <p:nvPr/>
+        </p:nvSpPr>
+        <p:spPr>
+          <a:xfrm>
+            <a:off x="6380217" y="1750027"/>
+            <a:ext cx="1422093" cy="215719"/>
+          </a:xfrm>
+          <a:prstGeom prst="rect">
+            <a:avLst/>
+          </a:prstGeom>
+          <a:solidFill>
+            <a:srgbClr val="F0F0F0"/>
+          </a:solidFill>
+          <a:ln>
+            <a:noFill/>
+          </a:ln>
+        </p:spPr>
+        <p:style>
+          <a:lnRef idx="2">
+            <a:schemeClr val="accent1">
+              <a:shade val="15000"/>
+            </a:schemeClr>
+          </a:lnRef>
+          <a:fillRef idx="1">
+            <a:schemeClr val="accent1"/>
+          </a:fillRef>
+          <a:effectRef idx="0">
+            <a:schemeClr val="accent1"/>
+          </a:effectRef>
+          <a:fontRef idx="minor">
+            <a:schemeClr val="lt1"/>
+          </a:fontRef>
+        </p:style>
+        <p:txBody>
+          <a:bodyPr rtlCol="0" anchor="ctr"/>
+          <a:lstStyle/>
+          <a:p>
+            <a:pPr algn="ctr"/>
+            <a:endParaRPr lang="en-US" dirty="0">
+              <a:solidFill>
+                <a:schemeClr val="tx2"/>
+              </a:solidFill>
+            </a:endParaRPr>
+          </a:p>
+        </p:txBody>
+      </p:sp>
+      <p:sp>
+        <p:nvSpPr>
+          <p:cNvPr id="11" name="Rectangle 10">
+            <a:extLst>
+              <a:ext uri="{FF2B5EF4-FFF2-40B4-BE49-F238E27FC236}">
+                <a16:creationId xmlns:a16="http://schemas.microsoft.com/office/drawing/2014/main" id="{A28526A9-C883-A4CA-4D29-0D69004B29B9}"/>
+              </a:ext>
+            </a:extLst>
+          </p:cNvPr>
+          <p:cNvSpPr/>
+          <p:nvPr/>
+        </p:nvSpPr>
+        <p:spPr>
+          <a:xfrm>
+            <a:off x="8050331" y="1693151"/>
+            <a:ext cx="1988115" cy="215719"/>
+          </a:xfrm>
+          <a:prstGeom prst="rect">
+            <a:avLst/>
+          </a:prstGeom>
+          <a:solidFill>
+            <a:srgbClr val="F0F0F0"/>
+          </a:solidFill>
+          <a:ln>
+            <a:noFill/>
+          </a:ln>
+        </p:spPr>
+        <p:style>
+          <a:lnRef idx="2">
+            <a:schemeClr val="accent1">
+              <a:shade val="15000"/>
+            </a:schemeClr>
+          </a:lnRef>
+          <a:fillRef idx="1">
+            <a:schemeClr val="accent1"/>
+          </a:fillRef>
+          <a:effectRef idx="0">
+            <a:schemeClr val="accent1"/>
+          </a:effectRef>
+          <a:fontRef idx="minor">
+            <a:schemeClr val="lt1"/>
+          </a:fontRef>
+        </p:style>
+        <p:txBody>
+          <a:bodyPr rtlCol="0" anchor="ctr"/>
+          <a:lstStyle/>
+          <a:p>
+            <a:pPr algn="ctr"/>
+            <a:r>
+              <a:rPr lang="de-DE" sz="1600" b="1" dirty="0">
+                <a:solidFill>
+                  <a:schemeClr val="tx2"/>
+                </a:solidFill>
+              </a:rPr>
+              <a:t>Docupulse</a:t>
+            </a:r>
+            <a:endParaRPr lang="en-US" sz="1600" b="1" dirty="0">
+              <a:solidFill>
+                <a:schemeClr val="tx2"/>
+              </a:solidFill>
+            </a:endParaRPr>
+          </a:p>
+        </p:txBody>
+      </p:sp>
+      <p:sp>
+        <p:nvSpPr>
+          <p:cNvPr id="12" name="Rectangle 11">
+            <a:extLst>
+              <a:ext uri="{FF2B5EF4-FFF2-40B4-BE49-F238E27FC236}">
+                <a16:creationId xmlns:a16="http://schemas.microsoft.com/office/drawing/2014/main" id="{2906D5C2-F8A4-6760-2573-FF3F84DB2BC9}"/>
+              </a:ext>
+            </a:extLst>
+          </p:cNvPr>
+          <p:cNvSpPr/>
+          <p:nvPr/>
+        </p:nvSpPr>
+        <p:spPr>
+          <a:xfrm>
+            <a:off x="10579694" y="1965744"/>
+            <a:ext cx="242277" cy="4832193"/>
+          </a:xfrm>
+          <a:prstGeom prst="rect">
+            <a:avLst/>
+          </a:prstGeom>
+          <a:solidFill>
+            <a:srgbClr val="F0F0F0"/>
+          </a:solidFill>
+          <a:ln>
+            <a:noFill/>
+          </a:ln>
+        </p:spPr>
+        <p:style>
+          <a:lnRef idx="2">
+            <a:schemeClr val="accent1">
+              <a:shade val="15000"/>
+            </a:schemeClr>
+          </a:lnRef>
+          <a:fillRef idx="1">
+            <a:schemeClr val="accent1"/>
+          </a:fillRef>
+          <a:effectRef idx="0">
+            <a:schemeClr val="accent1"/>
+          </a:effectRef>
+          <a:fontRef idx="minor">
+            <a:schemeClr val="lt1"/>
+          </a:fontRef>
+        </p:style>
+        <p:txBody>
+          <a:bodyPr rtlCol="0" anchor="ctr"/>
+          <a:lstStyle/>
+          <a:p>
+            <a:pPr algn="ctr"/>
+            <a:endParaRPr lang="en-US"/>
+          </a:p>
+        </p:txBody>
+      </p:sp>
+      <p:pic>
+        <p:nvPicPr>
+          <p:cNvPr id="7" name="Picture 6">
+            <a:extLst>
+              <a:ext uri="{FF2B5EF4-FFF2-40B4-BE49-F238E27FC236}">
+                <a16:creationId xmlns:a16="http://schemas.microsoft.com/office/drawing/2014/main" id="{177EB982-D02B-066B-9584-AF484D19E507}"/>
+              </a:ext>
+            </a:extLst>
+          </p:cNvPr>
+          <p:cNvPicPr>
+            <a:picLocks noChangeAspect="1"/>
+          </p:cNvPicPr>
+          <p:nvPr/>
+        </p:nvPicPr>
+        <p:blipFill>
+          <a:blip r:embed="rId3"/>
+          <a:stretch>
+            <a:fillRect/>
+          </a:stretch>
+        </p:blipFill>
+        <p:spPr>
+          <a:xfrm>
+            <a:off x="6390623" y="1965745"/>
+            <a:ext cx="4257438" cy="4832192"/>
+          </a:xfrm>
+          <a:prstGeom prst="rect">
+            <a:avLst/>
+          </a:prstGeom>
+          <a:ln w="12700">
+            <a:solidFill>
+              <a:schemeClr val="accent1"/>
+            </a:solidFill>
+          </a:ln>
+        </p:spPr>
+      </p:pic>
+      <p:sp>
+        <p:nvSpPr>
+          <p:cNvPr id="13" name="Rectangle: Rounded Corners 12">
+            <a:extLst>
+              <a:ext uri="{FF2B5EF4-FFF2-40B4-BE49-F238E27FC236}">
+                <a16:creationId xmlns:a16="http://schemas.microsoft.com/office/drawing/2014/main" id="{1F071921-3E3B-0863-49EC-413C5A97613C}"/>
+              </a:ext>
+            </a:extLst>
+          </p:cNvPr>
+          <p:cNvSpPr/>
+          <p:nvPr/>
+        </p:nvSpPr>
+        <p:spPr>
+          <a:xfrm>
+            <a:off x="6739154" y="4386262"/>
+            <a:ext cx="3600234" cy="1204913"/>
+          </a:xfrm>
+          <a:prstGeom prst="roundRect">
+            <a:avLst>
+              <a:gd name="adj" fmla="val 2350"/>
+            </a:avLst>
+          </a:prstGeom>
+          <a:solidFill>
+            <a:srgbClr val="FF0000">
+              <a:alpha val="7000"/>
+            </a:srgbClr>
+          </a:solidFill>
+          <a:ln w="3175">
+            <a:solidFill>
+              <a:srgbClr val="C00000"/>
+            </a:solidFill>
+          </a:ln>
+        </p:spPr>
+        <p:style>
+          <a:lnRef idx="2">
+            <a:schemeClr val="accent1">
+              <a:shade val="15000"/>
+            </a:schemeClr>
+          </a:lnRef>
+          <a:fillRef idx="1">
+            <a:schemeClr val="accent1"/>
+          </a:fillRef>
+          <a:effectRef idx="0">
+            <a:schemeClr val="accent1"/>
+          </a:effectRef>
+          <a:fontRef idx="minor">
+            <a:schemeClr val="lt1"/>
+          </a:fontRef>
+        </p:style>
+        <p:txBody>
+          <a:bodyPr rtlCol="0" anchor="t" anchorCtr="0"/>
+          <a:lstStyle/>
+          <a:p>
+            <a:endParaRPr lang="en-US" b="1" dirty="0">
+              <a:solidFill>
+                <a:schemeClr val="tx1"/>
+              </a:solidFill>
+            </a:endParaRPr>
+          </a:p>
+        </p:txBody>
+      </p:sp>
+      <p:pic>
+        <p:nvPicPr>
+          <p:cNvPr id="17" name="Graphic 16" descr="Cursor with solid fill">
+            <a:extLst>
+              <a:ext uri="{FF2B5EF4-FFF2-40B4-BE49-F238E27FC236}">
+                <a16:creationId xmlns:a16="http://schemas.microsoft.com/office/drawing/2014/main" id="{E244A8A0-1C93-4F82-00EA-BA25ACC01F2E}"/>
+              </a:ext>
+            </a:extLst>
+          </p:cNvPr>
+          <p:cNvPicPr>
+            <a:picLocks noChangeAspect="1"/>
+          </p:cNvPicPr>
+          <p:nvPr/>
+        </p:nvPicPr>
+        <p:blipFill>
+          <a:blip r:embed="rId4">
+            <a:extLst>
+              <a:ext uri="{28A0092B-C50C-407E-A947-70E740481C1C}">
+                <a14:useLocalDpi xmlns:a14="http://schemas.microsoft.com/office/drawing/2010/main" val="0"/>
+              </a:ext>
+              <a:ext uri="{96DAC541-7B7A-43D3-8B79-37D633B846F1}">
+                <asvg:svgBlip xmlns:asvg="http://schemas.microsoft.com/office/drawing/2016/SVG/main" r:embed="rId5"/>
+              </a:ext>
+            </a:extLst>
+          </a:blip>
+          <a:stretch>
+            <a:fillRect/>
+          </a:stretch>
+        </p:blipFill>
+        <p:spPr>
+          <a:xfrm>
+            <a:off x="10070099" y="5397535"/>
+            <a:ext cx="389442" cy="389442"/>
+          </a:xfrm>
+          <a:prstGeom prst="rect">
+            <a:avLst/>
+          </a:prstGeom>
+        </p:spPr>
+      </p:pic>
+    </p:spTree>
+    <p:extLst>
+      <p:ext uri="{BB962C8B-B14F-4D97-AF65-F5344CB8AC3E}">
+        <p14:creationId xmlns:p14="http://schemas.microsoft.com/office/powerpoint/2010/main" val="4289706189"/>
+      </p:ext>
+    </p:extLst>
+  </p:cSld>
+  <p:clrMapOvr>
+    <a:masterClrMapping/>
+  </p:clrMapOvr>
+</p:sld>
+</file>
+
 <file path=ppt/slides/slide2.xml><?xml version="1.0" encoding="utf-8"?>
 <p:sld xmlns:a="http://schemas.openxmlformats.org/drawingml/2006/main" xmlns:r="http://schemas.openxmlformats.org/officeDocument/2006/relationships" xmlns:p="http://schemas.openxmlformats.org/presentationml/2006/main">
   <p:cSld>
@@ -7963,57 +8434,28 @@
           <a:chExt cx="0" cy="0"/>
         </a:xfrm>
       </p:grpSpPr>
-      <p:pic>
-        <p:nvPicPr>
-          <p:cNvPr id="5" name="Picture 4">
-            <a:extLst>
-              <a:ext uri="{FF2B5EF4-FFF2-40B4-BE49-F238E27FC236}">
-                <a16:creationId xmlns:a16="http://schemas.microsoft.com/office/drawing/2014/main" id="{098DBC18-42EA-E721-5C5D-E55BB9EE9BC4}"/>
-              </a:ext>
-            </a:extLst>
-          </p:cNvPr>
-          <p:cNvPicPr>
-            <a:picLocks noChangeAspect="1"/>
-          </p:cNvPicPr>
-          <p:nvPr/>
-        </p:nvPicPr>
-        <p:blipFill rotWithShape="1">
-          <a:blip r:embed="rId2"/>
-          <a:srcRect b="22207"/>
-          <a:stretch/>
-        </p:blipFill>
-        <p:spPr>
-          <a:xfrm>
-            <a:off x="861282" y="618733"/>
-            <a:ext cx="10469436" cy="4372367"/>
+      <p:sp>
+        <p:nvSpPr>
+          <p:cNvPr id="8" name="Rectangle 7">
+            <a:extLst>
+              <a:ext uri="{FF2B5EF4-FFF2-40B4-BE49-F238E27FC236}">
+                <a16:creationId xmlns:a16="http://schemas.microsoft.com/office/drawing/2014/main" id="{EE551166-43FA-4DD6-4EDF-B320367F0A61}"/>
+              </a:ext>
+            </a:extLst>
+          </p:cNvPr>
+          <p:cNvSpPr/>
+          <p:nvPr/>
+        </p:nvSpPr>
+        <p:spPr>
+          <a:xfrm>
+            <a:off x="6672470" y="3154017"/>
+            <a:ext cx="1881808" cy="1880169"/>
           </a:xfrm>
           <a:prstGeom prst="rect">
             <a:avLst/>
           </a:prstGeom>
-        </p:spPr>
-      </p:pic>
-      <p:sp>
-        <p:nvSpPr>
-          <p:cNvPr id="7" name="Rectangle 6">
-            <a:extLst>
-              <a:ext uri="{FF2B5EF4-FFF2-40B4-BE49-F238E27FC236}">
-                <a16:creationId xmlns:a16="http://schemas.microsoft.com/office/drawing/2014/main" id="{51342FA0-98A5-8ED3-87F8-6BF387C869FE}"/>
-              </a:ext>
-            </a:extLst>
-          </p:cNvPr>
-          <p:cNvSpPr/>
-          <p:nvPr/>
-        </p:nvSpPr>
-        <p:spPr>
-          <a:xfrm>
-            <a:off x="6591300" y="1047750"/>
-            <a:ext cx="4739418" cy="3943350"/>
-          </a:xfrm>
-          <a:prstGeom prst="rect">
-            <a:avLst/>
-          </a:prstGeom>
           <a:solidFill>
-            <a:srgbClr val="F0F0F0"/>
+            <a:schemeClr val="bg1"/>
           </a:solidFill>
           <a:ln>
             <a:noFill/>
@@ -8046,10 +8488,10 @@
       </p:sp>
       <p:pic>
         <p:nvPicPr>
-          <p:cNvPr id="6" name="Picture 5">
-            <a:extLst>
-              <a:ext uri="{FF2B5EF4-FFF2-40B4-BE49-F238E27FC236}">
-                <a16:creationId xmlns:a16="http://schemas.microsoft.com/office/drawing/2014/main" id="{3714F51B-9020-A0AE-B373-9B5A2DE93C36}"/>
+          <p:cNvPr id="10" name="Picture 9">
+            <a:extLst>
+              <a:ext uri="{FF2B5EF4-FFF2-40B4-BE49-F238E27FC236}">
+                <a16:creationId xmlns:a16="http://schemas.microsoft.com/office/drawing/2014/main" id="{A708CCEF-F42C-2842-E90E-1DE92E47B6AE}"/>
               </a:ext>
             </a:extLst>
           </p:cNvPr>
@@ -8058,34 +8500,58 @@
           </p:cNvPicPr>
           <p:nvPr/>
         </p:nvPicPr>
-        <p:blipFill rotWithShape="1">
+        <p:blipFill>
+          <a:blip r:embed="rId2"/>
+          <a:stretch>
+            <a:fillRect/>
+          </a:stretch>
+        </p:blipFill>
+        <p:spPr>
+          <a:xfrm>
+            <a:off x="2447416" y="1271286"/>
+            <a:ext cx="7297168" cy="4315427"/>
+          </a:xfrm>
+          <a:prstGeom prst="rect">
+            <a:avLst/>
+          </a:prstGeom>
+        </p:spPr>
+      </p:pic>
+      <p:pic>
+        <p:nvPicPr>
+          <p:cNvPr id="15" name="Picture 14">
+            <a:extLst>
+              <a:ext uri="{FF2B5EF4-FFF2-40B4-BE49-F238E27FC236}">
+                <a16:creationId xmlns:a16="http://schemas.microsoft.com/office/drawing/2014/main" id="{80A2C55D-D135-B42C-B9CE-40D88CDAA775}"/>
+              </a:ext>
+            </a:extLst>
+          </p:cNvPr>
+          <p:cNvPicPr>
+            <a:picLocks noChangeAspect="1"/>
+          </p:cNvPicPr>
+          <p:nvPr/>
+        </p:nvPicPr>
+        <p:blipFill>
           <a:blip r:embed="rId3"/>
-          <a:srcRect b="15436"/>
-          <a:stretch/>
+          <a:stretch>
+            <a:fillRect/>
+          </a:stretch>
         </p:blipFill>
         <p:spPr>
           <a:xfrm>
-            <a:off x="6619875" y="1280713"/>
-            <a:ext cx="4597687" cy="3515523"/>
+            <a:off x="5592627" y="1874056"/>
+            <a:ext cx="4079850" cy="3526203"/>
           </a:xfrm>
           <a:prstGeom prst="rect">
             <a:avLst/>
           </a:prstGeom>
-          <a:ln w="22225">
-            <a:solidFill>
-              <a:schemeClr val="bg1">
-                <a:lumMod val="85000"/>
-              </a:schemeClr>
-            </a:solidFill>
-          </a:ln>
         </p:spPr>
       </p:pic>
       <p:sp>
         <p:nvSpPr>
-          <p:cNvPr id="8" name="Rectangle 7">
-            <a:extLst>
-              <a:ext uri="{FF2B5EF4-FFF2-40B4-BE49-F238E27FC236}">
-                <a16:creationId xmlns:a16="http://schemas.microsoft.com/office/drawing/2014/main" id="{7F244C9F-CD01-A0F3-8FE7-E8F6227CABFE}"/>
+          <p:cNvPr id="16" name="Rectangle 15">
+            <a:extLst>
+              <a:ext uri="{FF2B5EF4-FFF2-40B4-BE49-F238E27FC236}">
+                <a16:creationId xmlns:a16="http://schemas.microsoft.com/office/drawing/2014/main" id="{826E5486-6E01-F381-A740-8BD95FFA09F0}"/>
               </a:ext>
             </a:extLst>
           </p:cNvPr>
@@ -8094,17 +8560,20 @@
         </p:nvSpPr>
         <p:spPr>
           <a:xfrm>
-            <a:off x="6724650" y="3000375"/>
-            <a:ext cx="1276350" cy="409575"/>
+            <a:off x="5620941" y="3174207"/>
+            <a:ext cx="613171" cy="171360"/>
           </a:xfrm>
           <a:prstGeom prst="rect">
             <a:avLst/>
           </a:prstGeom>
           <a:solidFill>
             <a:srgbClr val="C00000">
-              <a:alpha val="28000"/>
+              <a:alpha val="22000"/>
             </a:srgbClr>
           </a:solidFill>
+          <a:ln>
+            <a:noFill/>
+          </a:ln>
         </p:spPr>
         <p:style>
           <a:lnRef idx="2">
@@ -8133,10 +8602,10 @@
       </p:sp>
       <p:sp>
         <p:nvSpPr>
-          <p:cNvPr id="9" name="Rectangle 8">
-            <a:extLst>
-              <a:ext uri="{FF2B5EF4-FFF2-40B4-BE49-F238E27FC236}">
-                <a16:creationId xmlns:a16="http://schemas.microsoft.com/office/drawing/2014/main" id="{5490F20D-DA4B-4835-B350-AA96BC0EC84E}"/>
+          <p:cNvPr id="17" name="Rectangle 16">
+            <a:extLst>
+              <a:ext uri="{FF2B5EF4-FFF2-40B4-BE49-F238E27FC236}">
+                <a16:creationId xmlns:a16="http://schemas.microsoft.com/office/drawing/2014/main" id="{5B601624-45CF-FA01-E5EA-7BE6408EAB8E}"/>
               </a:ext>
             </a:extLst>
           </p:cNvPr>
@@ -8145,17 +8614,20 @@
         </p:nvSpPr>
         <p:spPr>
           <a:xfrm>
-            <a:off x="6724650" y="4229100"/>
-            <a:ext cx="2514600" cy="171842"/>
+            <a:off x="7600122" y="4982816"/>
+            <a:ext cx="390939" cy="172975"/>
           </a:xfrm>
           <a:prstGeom prst="rect">
             <a:avLst/>
           </a:prstGeom>
           <a:solidFill>
             <a:srgbClr val="C00000">
-              <a:alpha val="28000"/>
+              <a:alpha val="22000"/>
             </a:srgbClr>
           </a:solidFill>
+          <a:ln>
+            <a:noFill/>
+          </a:ln>
         </p:spPr>
         <p:style>
           <a:lnRef idx="2">
@@ -8182,10 +8654,64 @@
           </a:p>
         </p:txBody>
       </p:sp>
+      <p:sp>
+        <p:nvSpPr>
+          <p:cNvPr id="18" name="Rectangle 17">
+            <a:extLst>
+              <a:ext uri="{FF2B5EF4-FFF2-40B4-BE49-F238E27FC236}">
+                <a16:creationId xmlns:a16="http://schemas.microsoft.com/office/drawing/2014/main" id="{870FE75D-8E8E-6FD5-1704-62C01D03E731}"/>
+              </a:ext>
+            </a:extLst>
+          </p:cNvPr>
+          <p:cNvSpPr/>
+          <p:nvPr/>
+        </p:nvSpPr>
+        <p:spPr>
+          <a:xfrm>
+            <a:off x="7795591" y="3637722"/>
+            <a:ext cx="824948" cy="172410"/>
+          </a:xfrm>
+          <a:prstGeom prst="rect">
+            <a:avLst/>
+          </a:prstGeom>
+          <a:solidFill>
+            <a:srgbClr val="C00000">
+              <a:alpha val="22000"/>
+            </a:srgbClr>
+          </a:solidFill>
+          <a:ln>
+            <a:noFill/>
+          </a:ln>
+        </p:spPr>
+        <p:style>
+          <a:lnRef idx="2">
+            <a:schemeClr val="accent1">
+              <a:shade val="15000"/>
+            </a:schemeClr>
+          </a:lnRef>
+          <a:fillRef idx="1">
+            <a:schemeClr val="accent1"/>
+          </a:fillRef>
+          <a:effectRef idx="0">
+            <a:schemeClr val="accent1"/>
+          </a:effectRef>
+          <a:fontRef idx="minor">
+            <a:schemeClr val="lt1"/>
+          </a:fontRef>
+        </p:style>
+        <p:txBody>
+          <a:bodyPr rtlCol="0" anchor="ctr"/>
+          <a:lstStyle/>
+          <a:p>
+            <a:pPr algn="ctr"/>
+            <a:endParaRPr lang="en-US"/>
+          </a:p>
+        </p:txBody>
+      </p:sp>
     </p:spTree>
     <p:extLst>
       <p:ext uri="{BB962C8B-B14F-4D97-AF65-F5344CB8AC3E}">
-        <p14:creationId xmlns:p14="http://schemas.microsoft.com/office/powerpoint/2010/main" val="2965974814"/>
+        <p14:creationId xmlns:p14="http://schemas.microsoft.com/office/powerpoint/2010/main" val="188004190"/>
       </p:ext>
     </p:extLst>
   </p:cSld>
@@ -8217,7 +8743,7 @@
           <p:cNvPr id="5" name="Picture 4">
             <a:extLst>
               <a:ext uri="{FF2B5EF4-FFF2-40B4-BE49-F238E27FC236}">
-                <a16:creationId xmlns:a16="http://schemas.microsoft.com/office/drawing/2014/main" id="{141D11DD-9167-E693-F090-F21593B66DC7}"/>
+                <a16:creationId xmlns:a16="http://schemas.microsoft.com/office/drawing/2014/main" id="{098DBC18-42EA-E721-5C5D-E55BB9EE9BC4}"/>
               </a:ext>
             </a:extLst>
           </p:cNvPr>
@@ -8226,16 +8752,15 @@
           </p:cNvPicPr>
           <p:nvPr/>
         </p:nvPicPr>
-        <p:blipFill>
+        <p:blipFill rotWithShape="1">
           <a:blip r:embed="rId2"/>
-          <a:stretch>
-            <a:fillRect/>
-          </a:stretch>
+          <a:srcRect b="22207"/>
+          <a:stretch/>
         </p:blipFill>
         <p:spPr>
           <a:xfrm>
-            <a:off x="0" y="94653"/>
-            <a:ext cx="12192000" cy="6668693"/>
+            <a:off x="861282" y="618733"/>
+            <a:ext cx="10469436" cy="4372367"/>
           </a:xfrm>
           <a:prstGeom prst="rect">
             <a:avLst/>
@@ -8244,10 +8769,10 @@
       </p:pic>
       <p:sp>
         <p:nvSpPr>
-          <p:cNvPr id="6" name="Rectangle 5">
-            <a:extLst>
-              <a:ext uri="{FF2B5EF4-FFF2-40B4-BE49-F238E27FC236}">
-                <a16:creationId xmlns:a16="http://schemas.microsoft.com/office/drawing/2014/main" id="{5BEDA309-97C1-0176-0C56-F71EE19E81B3}"/>
+          <p:cNvPr id="7" name="Rectangle 6">
+            <a:extLst>
+              <a:ext uri="{FF2B5EF4-FFF2-40B4-BE49-F238E27FC236}">
+                <a16:creationId xmlns:a16="http://schemas.microsoft.com/office/drawing/2014/main" id="{51342FA0-98A5-8ED3-87F8-6BF387C869FE}"/>
               </a:ext>
             </a:extLst>
           </p:cNvPr>
@@ -8256,14 +8781,14 @@
         </p:nvSpPr>
         <p:spPr>
           <a:xfrm>
-            <a:off x="11153775" y="609599"/>
-            <a:ext cx="561975" cy="600075"/>
+            <a:off x="6591300" y="1047750"/>
+            <a:ext cx="4739418" cy="3943350"/>
           </a:xfrm>
           <a:prstGeom prst="rect">
             <a:avLst/>
           </a:prstGeom>
           <a:solidFill>
-            <a:srgbClr val="FFFFFF"/>
+            <a:srgbClr val="F0F0F0"/>
           </a:solidFill>
           <a:ln>
             <a:noFill/>
@@ -8294,12 +8819,48 @@
           </a:p>
         </p:txBody>
       </p:sp>
-      <p:sp>
-        <p:nvSpPr>
-          <p:cNvPr id="7" name="Rectangle 6">
-            <a:extLst>
-              <a:ext uri="{FF2B5EF4-FFF2-40B4-BE49-F238E27FC236}">
-                <a16:creationId xmlns:a16="http://schemas.microsoft.com/office/drawing/2014/main" id="{8287EA74-DAAF-A06F-778D-EACF50E0D7B8}"/>
+      <p:pic>
+        <p:nvPicPr>
+          <p:cNvPr id="6" name="Picture 5">
+            <a:extLst>
+              <a:ext uri="{FF2B5EF4-FFF2-40B4-BE49-F238E27FC236}">
+                <a16:creationId xmlns:a16="http://schemas.microsoft.com/office/drawing/2014/main" id="{3714F51B-9020-A0AE-B373-9B5A2DE93C36}"/>
+              </a:ext>
+            </a:extLst>
+          </p:cNvPr>
+          <p:cNvPicPr>
+            <a:picLocks noChangeAspect="1"/>
+          </p:cNvPicPr>
+          <p:nvPr/>
+        </p:nvPicPr>
+        <p:blipFill rotWithShape="1">
+          <a:blip r:embed="rId3"/>
+          <a:srcRect b="15436"/>
+          <a:stretch/>
+        </p:blipFill>
+        <p:spPr>
+          <a:xfrm>
+            <a:off x="6619875" y="1280713"/>
+            <a:ext cx="4597687" cy="3515523"/>
+          </a:xfrm>
+          <a:prstGeom prst="rect">
+            <a:avLst/>
+          </a:prstGeom>
+          <a:ln w="22225">
+            <a:solidFill>
+              <a:schemeClr val="bg1">
+                <a:lumMod val="85000"/>
+              </a:schemeClr>
+            </a:solidFill>
+          </a:ln>
+        </p:spPr>
+      </p:pic>
+      <p:sp>
+        <p:nvSpPr>
+          <p:cNvPr id="8" name="Rectangle 7">
+            <a:extLst>
+              <a:ext uri="{FF2B5EF4-FFF2-40B4-BE49-F238E27FC236}">
+                <a16:creationId xmlns:a16="http://schemas.microsoft.com/office/drawing/2014/main" id="{7F244C9F-CD01-A0F3-8FE7-E8F6227CABFE}"/>
               </a:ext>
             </a:extLst>
           </p:cNvPr>
@@ -8308,18 +8869,17 @@
         </p:nvSpPr>
         <p:spPr>
           <a:xfrm>
-            <a:off x="10377489" y="147638"/>
-            <a:ext cx="862012" cy="200026"/>
+            <a:off x="6724650" y="3000375"/>
+            <a:ext cx="1276350" cy="409575"/>
           </a:xfrm>
           <a:prstGeom prst="rect">
             <a:avLst/>
           </a:prstGeom>
           <a:solidFill>
-            <a:srgbClr val="E9EEF1"/>
+            <a:srgbClr val="C00000">
+              <a:alpha val="28000"/>
+            </a:srgbClr>
           </a:solidFill>
-          <a:ln>
-            <a:noFill/>
-          </a:ln>
         </p:spPr>
         <p:style>
           <a:lnRef idx="2">
@@ -8346,10 +8906,61 @@
           </a:p>
         </p:txBody>
       </p:sp>
+      <p:sp>
+        <p:nvSpPr>
+          <p:cNvPr id="9" name="Rectangle 8">
+            <a:extLst>
+              <a:ext uri="{FF2B5EF4-FFF2-40B4-BE49-F238E27FC236}">
+                <a16:creationId xmlns:a16="http://schemas.microsoft.com/office/drawing/2014/main" id="{5490F20D-DA4B-4835-B350-AA96BC0EC84E}"/>
+              </a:ext>
+            </a:extLst>
+          </p:cNvPr>
+          <p:cNvSpPr/>
+          <p:nvPr/>
+        </p:nvSpPr>
+        <p:spPr>
+          <a:xfrm>
+            <a:off x="6724650" y="4229100"/>
+            <a:ext cx="2514600" cy="171842"/>
+          </a:xfrm>
+          <a:prstGeom prst="rect">
+            <a:avLst/>
+          </a:prstGeom>
+          <a:solidFill>
+            <a:srgbClr val="C00000">
+              <a:alpha val="28000"/>
+            </a:srgbClr>
+          </a:solidFill>
+        </p:spPr>
+        <p:style>
+          <a:lnRef idx="2">
+            <a:schemeClr val="accent1">
+              <a:shade val="15000"/>
+            </a:schemeClr>
+          </a:lnRef>
+          <a:fillRef idx="1">
+            <a:schemeClr val="accent1"/>
+          </a:fillRef>
+          <a:effectRef idx="0">
+            <a:schemeClr val="accent1"/>
+          </a:effectRef>
+          <a:fontRef idx="minor">
+            <a:schemeClr val="lt1"/>
+          </a:fontRef>
+        </p:style>
+        <p:txBody>
+          <a:bodyPr rtlCol="0" anchor="ctr"/>
+          <a:lstStyle/>
+          <a:p>
+            <a:pPr algn="ctr"/>
+            <a:endParaRPr lang="en-US"/>
+          </a:p>
+        </p:txBody>
+      </p:sp>
     </p:spTree>
     <p:extLst>
       <p:ext uri="{BB962C8B-B14F-4D97-AF65-F5344CB8AC3E}">
-        <p14:creationId xmlns:p14="http://schemas.microsoft.com/office/powerpoint/2010/main" val="1225572412"/>
+        <p14:creationId xmlns:p14="http://schemas.microsoft.com/office/powerpoint/2010/main" val="2965974814"/>
       </p:ext>
     </p:extLst>
   </p:cSld>
@@ -8376,299 +8987,12 @@
           <a:chExt cx="0" cy="0"/>
         </a:xfrm>
       </p:grpSpPr>
-      <p:cxnSp>
-        <p:nvCxnSpPr>
-          <p:cNvPr id="5" name="Straight Connector 4">
-            <a:extLst>
-              <a:ext uri="{FF2B5EF4-FFF2-40B4-BE49-F238E27FC236}">
-                <a16:creationId xmlns:a16="http://schemas.microsoft.com/office/drawing/2014/main" id="{C7392AA0-C15A-5F56-FA4A-E3D189FA827D}"/>
-              </a:ext>
-            </a:extLst>
-          </p:cNvPr>
-          <p:cNvCxnSpPr/>
-          <p:nvPr/>
-        </p:nvCxnSpPr>
-        <p:spPr>
-          <a:xfrm>
-            <a:off x="3770722" y="1781666"/>
-            <a:ext cx="1753385" cy="0"/>
-          </a:xfrm>
-          <a:prstGeom prst="line">
-            <a:avLst/>
-          </a:prstGeom>
-          <a:ln w="85725">
-            <a:solidFill>
-              <a:srgbClr val="156082"/>
-            </a:solidFill>
-          </a:ln>
-        </p:spPr>
-        <p:style>
-          <a:lnRef idx="2">
-            <a:schemeClr val="accent1"/>
-          </a:lnRef>
-          <a:fillRef idx="0">
-            <a:schemeClr val="accent1"/>
-          </a:fillRef>
-          <a:effectRef idx="1">
-            <a:schemeClr val="accent1"/>
-          </a:effectRef>
-          <a:fontRef idx="minor">
-            <a:schemeClr val="tx1"/>
-          </a:fontRef>
-        </p:style>
-      </p:cxnSp>
-      <p:cxnSp>
-        <p:nvCxnSpPr>
-          <p:cNvPr id="6" name="Straight Connector 5">
-            <a:extLst>
-              <a:ext uri="{FF2B5EF4-FFF2-40B4-BE49-F238E27FC236}">
-                <a16:creationId xmlns:a16="http://schemas.microsoft.com/office/drawing/2014/main" id="{ECFC0DD2-7489-7BAC-8481-5B365CA6928C}"/>
-              </a:ext>
-            </a:extLst>
-          </p:cNvPr>
-          <p:cNvCxnSpPr/>
-          <p:nvPr/>
-        </p:nvCxnSpPr>
-        <p:spPr>
-          <a:xfrm>
-            <a:off x="3770722" y="2119460"/>
-            <a:ext cx="1753385" cy="0"/>
-          </a:xfrm>
-          <a:prstGeom prst="line">
-            <a:avLst/>
-          </a:prstGeom>
-          <a:ln w="85725">
-            <a:solidFill>
-              <a:srgbClr val="156082"/>
-            </a:solidFill>
-          </a:ln>
-        </p:spPr>
-        <p:style>
-          <a:lnRef idx="2">
-            <a:schemeClr val="accent1"/>
-          </a:lnRef>
-          <a:fillRef idx="0">
-            <a:schemeClr val="accent1"/>
-          </a:fillRef>
-          <a:effectRef idx="1">
-            <a:schemeClr val="accent1"/>
-          </a:effectRef>
-          <a:fontRef idx="minor">
-            <a:schemeClr val="tx1"/>
-          </a:fontRef>
-        </p:style>
-      </p:cxnSp>
-      <p:cxnSp>
-        <p:nvCxnSpPr>
-          <p:cNvPr id="7" name="Straight Connector 6">
-            <a:extLst>
-              <a:ext uri="{FF2B5EF4-FFF2-40B4-BE49-F238E27FC236}">
-                <a16:creationId xmlns:a16="http://schemas.microsoft.com/office/drawing/2014/main" id="{AF970809-AFEB-E4F0-203C-23C4EE6E66B5}"/>
-              </a:ext>
-            </a:extLst>
-          </p:cNvPr>
-          <p:cNvCxnSpPr/>
-          <p:nvPr/>
-        </p:nvCxnSpPr>
-        <p:spPr>
-          <a:xfrm>
-            <a:off x="3770722" y="2457254"/>
-            <a:ext cx="1753385" cy="0"/>
-          </a:xfrm>
-          <a:prstGeom prst="line">
-            <a:avLst/>
-          </a:prstGeom>
-          <a:ln w="85725">
-            <a:solidFill>
-              <a:srgbClr val="156082"/>
-            </a:solidFill>
-          </a:ln>
-        </p:spPr>
-        <p:style>
-          <a:lnRef idx="2">
-            <a:schemeClr val="accent1"/>
-          </a:lnRef>
-          <a:fillRef idx="0">
-            <a:schemeClr val="accent1"/>
-          </a:fillRef>
-          <a:effectRef idx="1">
-            <a:schemeClr val="accent1"/>
-          </a:effectRef>
-          <a:fontRef idx="minor">
-            <a:schemeClr val="tx1"/>
-          </a:fontRef>
-        </p:style>
-      </p:cxnSp>
-      <p:cxnSp>
-        <p:nvCxnSpPr>
-          <p:cNvPr id="8" name="Straight Connector 7">
-            <a:extLst>
-              <a:ext uri="{FF2B5EF4-FFF2-40B4-BE49-F238E27FC236}">
-                <a16:creationId xmlns:a16="http://schemas.microsoft.com/office/drawing/2014/main" id="{9A51B0CF-A323-6423-9CD2-B30A0AD8FBC1}"/>
-              </a:ext>
-            </a:extLst>
-          </p:cNvPr>
-          <p:cNvCxnSpPr/>
-          <p:nvPr/>
-        </p:nvCxnSpPr>
-        <p:spPr>
-          <a:xfrm>
-            <a:off x="3770722" y="2795048"/>
-            <a:ext cx="1753385" cy="0"/>
-          </a:xfrm>
-          <a:prstGeom prst="line">
-            <a:avLst/>
-          </a:prstGeom>
-          <a:ln w="85725">
-            <a:solidFill>
-              <a:srgbClr val="156082"/>
-            </a:solidFill>
-          </a:ln>
-        </p:spPr>
-        <p:style>
-          <a:lnRef idx="2">
-            <a:schemeClr val="accent1"/>
-          </a:lnRef>
-          <a:fillRef idx="0">
-            <a:schemeClr val="accent1"/>
-          </a:fillRef>
-          <a:effectRef idx="1">
-            <a:schemeClr val="accent1"/>
-          </a:effectRef>
-          <a:fontRef idx="minor">
-            <a:schemeClr val="tx1"/>
-          </a:fontRef>
-        </p:style>
-      </p:cxnSp>
-      <p:cxnSp>
-        <p:nvCxnSpPr>
-          <p:cNvPr id="9" name="Straight Connector 8">
-            <a:extLst>
-              <a:ext uri="{FF2B5EF4-FFF2-40B4-BE49-F238E27FC236}">
-                <a16:creationId xmlns:a16="http://schemas.microsoft.com/office/drawing/2014/main" id="{2EE97052-B36F-A514-D8F0-1C4BE96B19B3}"/>
-              </a:ext>
-            </a:extLst>
-          </p:cNvPr>
-          <p:cNvCxnSpPr/>
-          <p:nvPr/>
-        </p:nvCxnSpPr>
-        <p:spPr>
-          <a:xfrm>
-            <a:off x="3770722" y="3132842"/>
-            <a:ext cx="1753385" cy="0"/>
-          </a:xfrm>
-          <a:prstGeom prst="line">
-            <a:avLst/>
-          </a:prstGeom>
-          <a:ln w="85725">
-            <a:solidFill>
-              <a:srgbClr val="156082"/>
-            </a:solidFill>
-          </a:ln>
-        </p:spPr>
-        <p:style>
-          <a:lnRef idx="2">
-            <a:schemeClr val="accent1"/>
-          </a:lnRef>
-          <a:fillRef idx="0">
-            <a:schemeClr val="accent1"/>
-          </a:fillRef>
-          <a:effectRef idx="1">
-            <a:schemeClr val="accent1"/>
-          </a:effectRef>
-          <a:fontRef idx="minor">
-            <a:schemeClr val="tx1"/>
-          </a:fontRef>
-        </p:style>
-      </p:cxnSp>
-      <p:cxnSp>
-        <p:nvCxnSpPr>
-          <p:cNvPr id="10" name="Straight Connector 9">
-            <a:extLst>
-              <a:ext uri="{FF2B5EF4-FFF2-40B4-BE49-F238E27FC236}">
-                <a16:creationId xmlns:a16="http://schemas.microsoft.com/office/drawing/2014/main" id="{B320FDC5-5748-283E-3EBE-CD4ED974D1FA}"/>
-              </a:ext>
-            </a:extLst>
-          </p:cNvPr>
-          <p:cNvCxnSpPr/>
-          <p:nvPr/>
-        </p:nvCxnSpPr>
-        <p:spPr>
-          <a:xfrm>
-            <a:off x="3770722" y="3470636"/>
-            <a:ext cx="1753385" cy="0"/>
-          </a:xfrm>
-          <a:prstGeom prst="line">
-            <a:avLst/>
-          </a:prstGeom>
-          <a:ln w="85725">
-            <a:solidFill>
-              <a:srgbClr val="156082"/>
-            </a:solidFill>
-          </a:ln>
-        </p:spPr>
-        <p:style>
-          <a:lnRef idx="2">
-            <a:schemeClr val="accent1"/>
-          </a:lnRef>
-          <a:fillRef idx="0">
-            <a:schemeClr val="accent1"/>
-          </a:fillRef>
-          <a:effectRef idx="1">
-            <a:schemeClr val="accent1"/>
-          </a:effectRef>
-          <a:fontRef idx="minor">
-            <a:schemeClr val="tx1"/>
-          </a:fontRef>
-        </p:style>
-      </p:cxnSp>
-      <p:cxnSp>
-        <p:nvCxnSpPr>
-          <p:cNvPr id="11" name="Straight Connector 10">
-            <a:extLst>
-              <a:ext uri="{FF2B5EF4-FFF2-40B4-BE49-F238E27FC236}">
-                <a16:creationId xmlns:a16="http://schemas.microsoft.com/office/drawing/2014/main" id="{628A46A4-2F5F-7CF2-11E8-954CEDB895E6}"/>
-              </a:ext>
-            </a:extLst>
-          </p:cNvPr>
-          <p:cNvCxnSpPr/>
-          <p:nvPr/>
-        </p:nvCxnSpPr>
-        <p:spPr>
-          <a:xfrm>
-            <a:off x="3770722" y="3808428"/>
-            <a:ext cx="1753385" cy="0"/>
-          </a:xfrm>
-          <a:prstGeom prst="line">
-            <a:avLst/>
-          </a:prstGeom>
-          <a:ln w="85725">
-            <a:solidFill>
-              <a:srgbClr val="156082"/>
-            </a:solidFill>
-          </a:ln>
-        </p:spPr>
-        <p:style>
-          <a:lnRef idx="2">
-            <a:schemeClr val="accent1"/>
-          </a:lnRef>
-          <a:fillRef idx="0">
-            <a:schemeClr val="accent1"/>
-          </a:fillRef>
-          <a:effectRef idx="1">
-            <a:schemeClr val="accent1"/>
-          </a:effectRef>
-          <a:fontRef idx="minor">
-            <a:schemeClr val="tx1"/>
-          </a:fontRef>
-        </p:style>
-      </p:cxnSp>
       <p:pic>
         <p:nvPicPr>
-          <p:cNvPr id="13" name="Graphic 12" descr="Checkmark with solid fill">
-            <a:extLst>
-              <a:ext uri="{FF2B5EF4-FFF2-40B4-BE49-F238E27FC236}">
-                <a16:creationId xmlns:a16="http://schemas.microsoft.com/office/drawing/2014/main" id="{9FBF25CE-AF6F-CFAC-A4A4-E499B69C9C6B}"/>
+          <p:cNvPr id="5" name="Picture 4">
+            <a:extLst>
+              <a:ext uri="{FF2B5EF4-FFF2-40B4-BE49-F238E27FC236}">
+                <a16:creationId xmlns:a16="http://schemas.microsoft.com/office/drawing/2014/main" id="{141D11DD-9167-E693-F090-F21593B66DC7}"/>
               </a:ext>
             </a:extLst>
           </p:cNvPr>
@@ -8678,229 +9002,129 @@
           <p:nvPr/>
         </p:nvPicPr>
         <p:blipFill>
-          <a:blip r:embed="rId2">
-            <a:extLst>
-              <a:ext uri="{28A0092B-C50C-407E-A947-70E740481C1C}">
-                <a14:useLocalDpi xmlns:a14="http://schemas.microsoft.com/office/drawing/2010/main" val="0"/>
-              </a:ext>
-              <a:ext uri="{96DAC541-7B7A-43D3-8B79-37D633B846F1}">
-                <asvg:svgBlip xmlns:asvg="http://schemas.microsoft.com/office/drawing/2016/SVG/main" r:embed="rId3"/>
-              </a:ext>
-            </a:extLst>
-          </a:blip>
+          <a:blip r:embed="rId2"/>
           <a:stretch>
             <a:fillRect/>
           </a:stretch>
         </p:blipFill>
         <p:spPr>
           <a:xfrm>
-            <a:off x="5545317" y="1395167"/>
-            <a:ext cx="677159" cy="677159"/>
+            <a:off x="0" y="94653"/>
+            <a:ext cx="12192000" cy="6668693"/>
           </a:xfrm>
           <a:prstGeom prst="rect">
             <a:avLst/>
           </a:prstGeom>
         </p:spPr>
       </p:pic>
-      <p:pic>
-        <p:nvPicPr>
-          <p:cNvPr id="15" name="Graphic 14" descr="Pause with solid fill">
-            <a:extLst>
-              <a:ext uri="{FF2B5EF4-FFF2-40B4-BE49-F238E27FC236}">
-                <a16:creationId xmlns:a16="http://schemas.microsoft.com/office/drawing/2014/main" id="{9E44D59F-86D6-D73E-3810-0DC69D38653A}"/>
-              </a:ext>
-            </a:extLst>
-          </p:cNvPr>
-          <p:cNvPicPr>
-            <a:picLocks noChangeAspect="1"/>
-          </p:cNvPicPr>
-          <p:nvPr/>
-        </p:nvPicPr>
-        <p:blipFill>
-          <a:blip r:embed="rId4">
-            <a:extLst>
-              <a:ext uri="{28A0092B-C50C-407E-A947-70E740481C1C}">
-                <a14:useLocalDpi xmlns:a14="http://schemas.microsoft.com/office/drawing/2010/main" val="0"/>
-              </a:ext>
-              <a:ext uri="{96DAC541-7B7A-43D3-8B79-37D633B846F1}">
-                <asvg:svgBlip xmlns:asvg="http://schemas.microsoft.com/office/drawing/2016/SVG/main" r:embed="rId5"/>
-              </a:ext>
-            </a:extLst>
-          </a:blip>
-          <a:stretch>
-            <a:fillRect/>
-          </a:stretch>
-        </p:blipFill>
-        <p:spPr>
-          <a:xfrm>
-            <a:off x="5533904" y="2982797"/>
-            <a:ext cx="571893" cy="571893"/>
+      <p:sp>
+        <p:nvSpPr>
+          <p:cNvPr id="6" name="Rectangle 5">
+            <a:extLst>
+              <a:ext uri="{FF2B5EF4-FFF2-40B4-BE49-F238E27FC236}">
+                <a16:creationId xmlns:a16="http://schemas.microsoft.com/office/drawing/2014/main" id="{5BEDA309-97C1-0176-0C56-F71EE19E81B3}"/>
+              </a:ext>
+            </a:extLst>
+          </p:cNvPr>
+          <p:cNvSpPr/>
+          <p:nvPr/>
+        </p:nvSpPr>
+        <p:spPr>
+          <a:xfrm>
+            <a:off x="11153775" y="609599"/>
+            <a:ext cx="561975" cy="600075"/>
           </a:xfrm>
           <a:prstGeom prst="rect">
             <a:avLst/>
           </a:prstGeom>
-        </p:spPr>
-      </p:pic>
-      <p:pic>
-        <p:nvPicPr>
-          <p:cNvPr id="17" name="Graphic 16" descr="Hourglass Finished with solid fill">
-            <a:extLst>
-              <a:ext uri="{FF2B5EF4-FFF2-40B4-BE49-F238E27FC236}">
-                <a16:creationId xmlns:a16="http://schemas.microsoft.com/office/drawing/2014/main" id="{C8761B6B-621D-6361-5598-FAAF276A9BD6}"/>
-              </a:ext>
-            </a:extLst>
-          </p:cNvPr>
-          <p:cNvPicPr>
-            <a:picLocks noChangeAspect="1"/>
-          </p:cNvPicPr>
-          <p:nvPr/>
-        </p:nvPicPr>
-        <p:blipFill>
-          <a:blip r:embed="rId6">
-            <a:extLst>
-              <a:ext uri="{28A0092B-C50C-407E-A947-70E740481C1C}">
-                <a14:useLocalDpi xmlns:a14="http://schemas.microsoft.com/office/drawing/2010/main" val="0"/>
-              </a:ext>
-              <a:ext uri="{96DAC541-7B7A-43D3-8B79-37D633B846F1}">
-                <asvg:svgBlip xmlns:asvg="http://schemas.microsoft.com/office/drawing/2016/SVG/main" r:embed="rId7"/>
-              </a:ext>
-            </a:extLst>
-          </a:blip>
-          <a:stretch>
-            <a:fillRect/>
-          </a:stretch>
-        </p:blipFill>
-        <p:spPr>
-          <a:xfrm>
-            <a:off x="5558650" y="4183142"/>
-            <a:ext cx="490194" cy="490194"/>
+          <a:solidFill>
+            <a:srgbClr val="FFFFFF"/>
+          </a:solidFill>
+          <a:ln>
+            <a:noFill/>
+          </a:ln>
+        </p:spPr>
+        <p:style>
+          <a:lnRef idx="2">
+            <a:schemeClr val="accent1">
+              <a:shade val="15000"/>
+            </a:schemeClr>
+          </a:lnRef>
+          <a:fillRef idx="1">
+            <a:schemeClr val="accent1"/>
+          </a:fillRef>
+          <a:effectRef idx="0">
+            <a:schemeClr val="accent1"/>
+          </a:effectRef>
+          <a:fontRef idx="minor">
+            <a:schemeClr val="lt1"/>
+          </a:fontRef>
+        </p:style>
+        <p:txBody>
+          <a:bodyPr rtlCol="0" anchor="ctr"/>
+          <a:lstStyle/>
+          <a:p>
+            <a:pPr algn="ctr"/>
+            <a:endParaRPr lang="en-US"/>
+          </a:p>
+        </p:txBody>
+      </p:sp>
+      <p:sp>
+        <p:nvSpPr>
+          <p:cNvPr id="7" name="Rectangle 6">
+            <a:extLst>
+              <a:ext uri="{FF2B5EF4-FFF2-40B4-BE49-F238E27FC236}">
+                <a16:creationId xmlns:a16="http://schemas.microsoft.com/office/drawing/2014/main" id="{8287EA74-DAAF-A06F-778D-EACF50E0D7B8}"/>
+              </a:ext>
+            </a:extLst>
+          </p:cNvPr>
+          <p:cNvSpPr/>
+          <p:nvPr/>
+        </p:nvSpPr>
+        <p:spPr>
+          <a:xfrm>
+            <a:off x="10377489" y="147638"/>
+            <a:ext cx="862012" cy="200026"/>
           </a:xfrm>
           <a:prstGeom prst="rect">
             <a:avLst/>
           </a:prstGeom>
-        </p:spPr>
-      </p:pic>
-      <p:pic>
-        <p:nvPicPr>
-          <p:cNvPr id="18" name="Graphic 17" descr="Checkmark with solid fill">
-            <a:extLst>
-              <a:ext uri="{FF2B5EF4-FFF2-40B4-BE49-F238E27FC236}">
-                <a16:creationId xmlns:a16="http://schemas.microsoft.com/office/drawing/2014/main" id="{516D19AA-FC6D-A526-237E-FA27D72FB056}"/>
-              </a:ext>
-            </a:extLst>
-          </p:cNvPr>
-          <p:cNvPicPr>
-            <a:picLocks noChangeAspect="1"/>
-          </p:cNvPicPr>
-          <p:nvPr/>
-        </p:nvPicPr>
-        <p:blipFill>
-          <a:blip r:embed="rId2">
-            <a:extLst>
-              <a:ext uri="{28A0092B-C50C-407E-A947-70E740481C1C}">
-                <a14:useLocalDpi xmlns:a14="http://schemas.microsoft.com/office/drawing/2010/main" val="0"/>
-              </a:ext>
-              <a:ext uri="{96DAC541-7B7A-43D3-8B79-37D633B846F1}">
-                <asvg:svgBlip xmlns:asvg="http://schemas.microsoft.com/office/drawing/2016/SVG/main" r:embed="rId3"/>
-              </a:ext>
-            </a:extLst>
-          </a:blip>
-          <a:stretch>
-            <a:fillRect/>
-          </a:stretch>
-        </p:blipFill>
-        <p:spPr>
-          <a:xfrm>
-            <a:off x="5524107" y="1902642"/>
-            <a:ext cx="677159" cy="677159"/>
-          </a:xfrm>
-          <a:prstGeom prst="rect">
-            <a:avLst/>
-          </a:prstGeom>
-        </p:spPr>
-      </p:pic>
-      <p:pic>
-        <p:nvPicPr>
-          <p:cNvPr id="19" name="Graphic 18" descr="Checkmark with solid fill">
-            <a:extLst>
-              <a:ext uri="{FF2B5EF4-FFF2-40B4-BE49-F238E27FC236}">
-                <a16:creationId xmlns:a16="http://schemas.microsoft.com/office/drawing/2014/main" id="{BB1E95D2-6AA9-9AF9-5020-06C0A2BB1094}"/>
-              </a:ext>
-            </a:extLst>
-          </p:cNvPr>
-          <p:cNvPicPr>
-            <a:picLocks noChangeAspect="1"/>
-          </p:cNvPicPr>
-          <p:nvPr/>
-        </p:nvPicPr>
-        <p:blipFill>
-          <a:blip r:embed="rId2">
-            <a:extLst>
-              <a:ext uri="{28A0092B-C50C-407E-A947-70E740481C1C}">
-                <a14:useLocalDpi xmlns:a14="http://schemas.microsoft.com/office/drawing/2010/main" val="0"/>
-              </a:ext>
-              <a:ext uri="{96DAC541-7B7A-43D3-8B79-37D633B846F1}">
-                <asvg:svgBlip xmlns:asvg="http://schemas.microsoft.com/office/drawing/2016/SVG/main" r:embed="rId3"/>
-              </a:ext>
-            </a:extLst>
-          </a:blip>
-          <a:stretch>
-            <a:fillRect/>
-          </a:stretch>
-        </p:blipFill>
-        <p:spPr>
-          <a:xfrm>
-            <a:off x="5524107" y="2336279"/>
-            <a:ext cx="677159" cy="677159"/>
-          </a:xfrm>
-          <a:prstGeom prst="rect">
-            <a:avLst/>
-          </a:prstGeom>
-        </p:spPr>
-      </p:pic>
-      <p:pic>
-        <p:nvPicPr>
-          <p:cNvPr id="20" name="Graphic 19" descr="Checkmark with solid fill">
-            <a:extLst>
-              <a:ext uri="{FF2B5EF4-FFF2-40B4-BE49-F238E27FC236}">
-                <a16:creationId xmlns:a16="http://schemas.microsoft.com/office/drawing/2014/main" id="{E74C9A8B-6DA6-A91E-7397-CE34E8CD30A5}"/>
-              </a:ext>
-            </a:extLst>
-          </p:cNvPr>
-          <p:cNvPicPr>
-            <a:picLocks noChangeAspect="1"/>
-          </p:cNvPicPr>
-          <p:nvPr/>
-        </p:nvPicPr>
-        <p:blipFill>
-          <a:blip r:embed="rId2">
-            <a:extLst>
-              <a:ext uri="{28A0092B-C50C-407E-A947-70E740481C1C}">
-                <a14:useLocalDpi xmlns:a14="http://schemas.microsoft.com/office/drawing/2010/main" val="0"/>
-              </a:ext>
-              <a:ext uri="{96DAC541-7B7A-43D3-8B79-37D633B846F1}">
-                <asvg:svgBlip xmlns:asvg="http://schemas.microsoft.com/office/drawing/2016/SVG/main" r:embed="rId3"/>
-              </a:ext>
-            </a:extLst>
-          </a:blip>
-          <a:stretch>
-            <a:fillRect/>
-          </a:stretch>
-        </p:blipFill>
-        <p:spPr>
-          <a:xfrm>
-            <a:off x="5558650" y="3505983"/>
-            <a:ext cx="677159" cy="677159"/>
-          </a:xfrm>
-          <a:prstGeom prst="rect">
-            <a:avLst/>
-          </a:prstGeom>
-        </p:spPr>
-      </p:pic>
+          <a:solidFill>
+            <a:srgbClr val="E9EEF1"/>
+          </a:solidFill>
+          <a:ln>
+            <a:noFill/>
+          </a:ln>
+        </p:spPr>
+        <p:style>
+          <a:lnRef idx="2">
+            <a:schemeClr val="accent1">
+              <a:shade val="15000"/>
+            </a:schemeClr>
+          </a:lnRef>
+          <a:fillRef idx="1">
+            <a:schemeClr val="accent1"/>
+          </a:fillRef>
+          <a:effectRef idx="0">
+            <a:schemeClr val="accent1"/>
+          </a:effectRef>
+          <a:fontRef idx="minor">
+            <a:schemeClr val="lt1"/>
+          </a:fontRef>
+        </p:style>
+        <p:txBody>
+          <a:bodyPr rtlCol="0" anchor="ctr"/>
+          <a:lstStyle/>
+          <a:p>
+            <a:pPr algn="ctr"/>
+            <a:endParaRPr lang="en-US"/>
+          </a:p>
+        </p:txBody>
+      </p:sp>
     </p:spTree>
     <p:extLst>
       <p:ext uri="{BB962C8B-B14F-4D97-AF65-F5344CB8AC3E}">
-        <p14:creationId xmlns:p14="http://schemas.microsoft.com/office/powerpoint/2010/main" val="547729540"/>
+        <p14:creationId xmlns:p14="http://schemas.microsoft.com/office/powerpoint/2010/main" val="1225572412"/>
       </p:ext>
     </p:extLst>
   </p:cSld>
@@ -8927,12 +9151,299 @@
           <a:chExt cx="0" cy="0"/>
         </a:xfrm>
       </p:grpSpPr>
+      <p:cxnSp>
+        <p:nvCxnSpPr>
+          <p:cNvPr id="5" name="Straight Connector 4">
+            <a:extLst>
+              <a:ext uri="{FF2B5EF4-FFF2-40B4-BE49-F238E27FC236}">
+                <a16:creationId xmlns:a16="http://schemas.microsoft.com/office/drawing/2014/main" id="{C7392AA0-C15A-5F56-FA4A-E3D189FA827D}"/>
+              </a:ext>
+            </a:extLst>
+          </p:cNvPr>
+          <p:cNvCxnSpPr/>
+          <p:nvPr/>
+        </p:nvCxnSpPr>
+        <p:spPr>
+          <a:xfrm>
+            <a:off x="3770722" y="1781666"/>
+            <a:ext cx="1753385" cy="0"/>
+          </a:xfrm>
+          <a:prstGeom prst="line">
+            <a:avLst/>
+          </a:prstGeom>
+          <a:ln w="85725">
+            <a:solidFill>
+              <a:srgbClr val="156082"/>
+            </a:solidFill>
+          </a:ln>
+        </p:spPr>
+        <p:style>
+          <a:lnRef idx="2">
+            <a:schemeClr val="accent1"/>
+          </a:lnRef>
+          <a:fillRef idx="0">
+            <a:schemeClr val="accent1"/>
+          </a:fillRef>
+          <a:effectRef idx="1">
+            <a:schemeClr val="accent1"/>
+          </a:effectRef>
+          <a:fontRef idx="minor">
+            <a:schemeClr val="tx1"/>
+          </a:fontRef>
+        </p:style>
+      </p:cxnSp>
+      <p:cxnSp>
+        <p:nvCxnSpPr>
+          <p:cNvPr id="6" name="Straight Connector 5">
+            <a:extLst>
+              <a:ext uri="{FF2B5EF4-FFF2-40B4-BE49-F238E27FC236}">
+                <a16:creationId xmlns:a16="http://schemas.microsoft.com/office/drawing/2014/main" id="{ECFC0DD2-7489-7BAC-8481-5B365CA6928C}"/>
+              </a:ext>
+            </a:extLst>
+          </p:cNvPr>
+          <p:cNvCxnSpPr/>
+          <p:nvPr/>
+        </p:nvCxnSpPr>
+        <p:spPr>
+          <a:xfrm>
+            <a:off x="3770722" y="2119460"/>
+            <a:ext cx="1753385" cy="0"/>
+          </a:xfrm>
+          <a:prstGeom prst="line">
+            <a:avLst/>
+          </a:prstGeom>
+          <a:ln w="85725">
+            <a:solidFill>
+              <a:srgbClr val="156082"/>
+            </a:solidFill>
+          </a:ln>
+        </p:spPr>
+        <p:style>
+          <a:lnRef idx="2">
+            <a:schemeClr val="accent1"/>
+          </a:lnRef>
+          <a:fillRef idx="0">
+            <a:schemeClr val="accent1"/>
+          </a:fillRef>
+          <a:effectRef idx="1">
+            <a:schemeClr val="accent1"/>
+          </a:effectRef>
+          <a:fontRef idx="minor">
+            <a:schemeClr val="tx1"/>
+          </a:fontRef>
+        </p:style>
+      </p:cxnSp>
+      <p:cxnSp>
+        <p:nvCxnSpPr>
+          <p:cNvPr id="7" name="Straight Connector 6">
+            <a:extLst>
+              <a:ext uri="{FF2B5EF4-FFF2-40B4-BE49-F238E27FC236}">
+                <a16:creationId xmlns:a16="http://schemas.microsoft.com/office/drawing/2014/main" id="{AF970809-AFEB-E4F0-203C-23C4EE6E66B5}"/>
+              </a:ext>
+            </a:extLst>
+          </p:cNvPr>
+          <p:cNvCxnSpPr/>
+          <p:nvPr/>
+        </p:nvCxnSpPr>
+        <p:spPr>
+          <a:xfrm>
+            <a:off x="3770722" y="2457254"/>
+            <a:ext cx="1753385" cy="0"/>
+          </a:xfrm>
+          <a:prstGeom prst="line">
+            <a:avLst/>
+          </a:prstGeom>
+          <a:ln w="85725">
+            <a:solidFill>
+              <a:srgbClr val="156082"/>
+            </a:solidFill>
+          </a:ln>
+        </p:spPr>
+        <p:style>
+          <a:lnRef idx="2">
+            <a:schemeClr val="accent1"/>
+          </a:lnRef>
+          <a:fillRef idx="0">
+            <a:schemeClr val="accent1"/>
+          </a:fillRef>
+          <a:effectRef idx="1">
+            <a:schemeClr val="accent1"/>
+          </a:effectRef>
+          <a:fontRef idx="minor">
+            <a:schemeClr val="tx1"/>
+          </a:fontRef>
+        </p:style>
+      </p:cxnSp>
+      <p:cxnSp>
+        <p:nvCxnSpPr>
+          <p:cNvPr id="8" name="Straight Connector 7">
+            <a:extLst>
+              <a:ext uri="{FF2B5EF4-FFF2-40B4-BE49-F238E27FC236}">
+                <a16:creationId xmlns:a16="http://schemas.microsoft.com/office/drawing/2014/main" id="{9A51B0CF-A323-6423-9CD2-B30A0AD8FBC1}"/>
+              </a:ext>
+            </a:extLst>
+          </p:cNvPr>
+          <p:cNvCxnSpPr/>
+          <p:nvPr/>
+        </p:nvCxnSpPr>
+        <p:spPr>
+          <a:xfrm>
+            <a:off x="3770722" y="2795048"/>
+            <a:ext cx="1753385" cy="0"/>
+          </a:xfrm>
+          <a:prstGeom prst="line">
+            <a:avLst/>
+          </a:prstGeom>
+          <a:ln w="85725">
+            <a:solidFill>
+              <a:srgbClr val="156082"/>
+            </a:solidFill>
+          </a:ln>
+        </p:spPr>
+        <p:style>
+          <a:lnRef idx="2">
+            <a:schemeClr val="accent1"/>
+          </a:lnRef>
+          <a:fillRef idx="0">
+            <a:schemeClr val="accent1"/>
+          </a:fillRef>
+          <a:effectRef idx="1">
+            <a:schemeClr val="accent1"/>
+          </a:effectRef>
+          <a:fontRef idx="minor">
+            <a:schemeClr val="tx1"/>
+          </a:fontRef>
+        </p:style>
+      </p:cxnSp>
+      <p:cxnSp>
+        <p:nvCxnSpPr>
+          <p:cNvPr id="9" name="Straight Connector 8">
+            <a:extLst>
+              <a:ext uri="{FF2B5EF4-FFF2-40B4-BE49-F238E27FC236}">
+                <a16:creationId xmlns:a16="http://schemas.microsoft.com/office/drawing/2014/main" id="{2EE97052-B36F-A514-D8F0-1C4BE96B19B3}"/>
+              </a:ext>
+            </a:extLst>
+          </p:cNvPr>
+          <p:cNvCxnSpPr/>
+          <p:nvPr/>
+        </p:nvCxnSpPr>
+        <p:spPr>
+          <a:xfrm>
+            <a:off x="3770722" y="3132842"/>
+            <a:ext cx="1753385" cy="0"/>
+          </a:xfrm>
+          <a:prstGeom prst="line">
+            <a:avLst/>
+          </a:prstGeom>
+          <a:ln w="85725">
+            <a:solidFill>
+              <a:srgbClr val="156082"/>
+            </a:solidFill>
+          </a:ln>
+        </p:spPr>
+        <p:style>
+          <a:lnRef idx="2">
+            <a:schemeClr val="accent1"/>
+          </a:lnRef>
+          <a:fillRef idx="0">
+            <a:schemeClr val="accent1"/>
+          </a:fillRef>
+          <a:effectRef idx="1">
+            <a:schemeClr val="accent1"/>
+          </a:effectRef>
+          <a:fontRef idx="minor">
+            <a:schemeClr val="tx1"/>
+          </a:fontRef>
+        </p:style>
+      </p:cxnSp>
+      <p:cxnSp>
+        <p:nvCxnSpPr>
+          <p:cNvPr id="10" name="Straight Connector 9">
+            <a:extLst>
+              <a:ext uri="{FF2B5EF4-FFF2-40B4-BE49-F238E27FC236}">
+                <a16:creationId xmlns:a16="http://schemas.microsoft.com/office/drawing/2014/main" id="{B320FDC5-5748-283E-3EBE-CD4ED974D1FA}"/>
+              </a:ext>
+            </a:extLst>
+          </p:cNvPr>
+          <p:cNvCxnSpPr/>
+          <p:nvPr/>
+        </p:nvCxnSpPr>
+        <p:spPr>
+          <a:xfrm>
+            <a:off x="3770722" y="3470636"/>
+            <a:ext cx="1753385" cy="0"/>
+          </a:xfrm>
+          <a:prstGeom prst="line">
+            <a:avLst/>
+          </a:prstGeom>
+          <a:ln w="85725">
+            <a:solidFill>
+              <a:srgbClr val="156082"/>
+            </a:solidFill>
+          </a:ln>
+        </p:spPr>
+        <p:style>
+          <a:lnRef idx="2">
+            <a:schemeClr val="accent1"/>
+          </a:lnRef>
+          <a:fillRef idx="0">
+            <a:schemeClr val="accent1"/>
+          </a:fillRef>
+          <a:effectRef idx="1">
+            <a:schemeClr val="accent1"/>
+          </a:effectRef>
+          <a:fontRef idx="minor">
+            <a:schemeClr val="tx1"/>
+          </a:fontRef>
+        </p:style>
+      </p:cxnSp>
+      <p:cxnSp>
+        <p:nvCxnSpPr>
+          <p:cNvPr id="11" name="Straight Connector 10">
+            <a:extLst>
+              <a:ext uri="{FF2B5EF4-FFF2-40B4-BE49-F238E27FC236}">
+                <a16:creationId xmlns:a16="http://schemas.microsoft.com/office/drawing/2014/main" id="{628A46A4-2F5F-7CF2-11E8-954CEDB895E6}"/>
+              </a:ext>
+            </a:extLst>
+          </p:cNvPr>
+          <p:cNvCxnSpPr/>
+          <p:nvPr/>
+        </p:nvCxnSpPr>
+        <p:spPr>
+          <a:xfrm>
+            <a:off x="3770722" y="3808428"/>
+            <a:ext cx="1753385" cy="0"/>
+          </a:xfrm>
+          <a:prstGeom prst="line">
+            <a:avLst/>
+          </a:prstGeom>
+          <a:ln w="85725">
+            <a:solidFill>
+              <a:srgbClr val="156082"/>
+            </a:solidFill>
+          </a:ln>
+        </p:spPr>
+        <p:style>
+          <a:lnRef idx="2">
+            <a:schemeClr val="accent1"/>
+          </a:lnRef>
+          <a:fillRef idx="0">
+            <a:schemeClr val="accent1"/>
+          </a:fillRef>
+          <a:effectRef idx="1">
+            <a:schemeClr val="accent1"/>
+          </a:effectRef>
+          <a:fontRef idx="minor">
+            <a:schemeClr val="tx1"/>
+          </a:fontRef>
+        </p:style>
+      </p:cxnSp>
       <p:pic>
         <p:nvPicPr>
-          <p:cNvPr id="5" name="Picture 4">
-            <a:extLst>
-              <a:ext uri="{FF2B5EF4-FFF2-40B4-BE49-F238E27FC236}">
-                <a16:creationId xmlns:a16="http://schemas.microsoft.com/office/drawing/2014/main" id="{B6D8AE9F-6442-C2AA-10D9-7C81A4508621}"/>
+          <p:cNvPr id="13" name="Graphic 12" descr="Checkmark with solid fill">
+            <a:extLst>
+              <a:ext uri="{FF2B5EF4-FFF2-40B4-BE49-F238E27FC236}">
+                <a16:creationId xmlns:a16="http://schemas.microsoft.com/office/drawing/2014/main" id="{9FBF25CE-AF6F-CFAC-A4A4-E499B69C9C6B}"/>
               </a:ext>
             </a:extLst>
           </p:cNvPr>
@@ -8941,415 +9452,14 @@
           </p:cNvPicPr>
           <p:nvPr/>
         </p:nvPicPr>
-        <p:blipFill rotWithShape="1">
-          <a:blip r:embed="rId2"/>
-          <a:srcRect r="8435"/>
-          <a:stretch/>
-        </p:blipFill>
-        <p:spPr>
-          <a:xfrm>
-            <a:off x="410773" y="0"/>
-            <a:ext cx="10411198" cy="6858000"/>
-          </a:xfrm>
-          <a:prstGeom prst="rect">
-            <a:avLst/>
-          </a:prstGeom>
-        </p:spPr>
-      </p:pic>
-      <p:sp>
-        <p:nvSpPr>
-          <p:cNvPr id="8" name="Rectangle 7">
-            <a:extLst>
-              <a:ext uri="{FF2B5EF4-FFF2-40B4-BE49-F238E27FC236}">
-                <a16:creationId xmlns:a16="http://schemas.microsoft.com/office/drawing/2014/main" id="{F3DB45E7-EDE9-9676-9A24-AFBE81144AA7}"/>
-              </a:ext>
-            </a:extLst>
-          </p:cNvPr>
-          <p:cNvSpPr/>
-          <p:nvPr/>
-        </p:nvSpPr>
-        <p:spPr>
-          <a:xfrm>
-            <a:off x="9714807" y="0"/>
-            <a:ext cx="933254" cy="236529"/>
-          </a:xfrm>
-          <a:prstGeom prst="rect">
-            <a:avLst/>
-          </a:prstGeom>
-          <a:solidFill>
-            <a:srgbClr val="E9EEF1"/>
-          </a:solidFill>
-          <a:ln>
-            <a:noFill/>
-          </a:ln>
-        </p:spPr>
-        <p:style>
-          <a:lnRef idx="2">
-            <a:schemeClr val="accent1">
-              <a:shade val="15000"/>
-            </a:schemeClr>
-          </a:lnRef>
-          <a:fillRef idx="1">
-            <a:schemeClr val="accent1"/>
-          </a:fillRef>
-          <a:effectRef idx="0">
-            <a:schemeClr val="accent1"/>
-          </a:effectRef>
-          <a:fontRef idx="minor">
-            <a:schemeClr val="lt1"/>
-          </a:fontRef>
-        </p:style>
-        <p:txBody>
-          <a:bodyPr rtlCol="0" anchor="ctr"/>
-          <a:lstStyle/>
-          <a:p>
-            <a:pPr algn="ctr"/>
-            <a:endParaRPr lang="en-US"/>
-          </a:p>
-        </p:txBody>
-      </p:sp>
-      <p:sp>
-        <p:nvSpPr>
-          <p:cNvPr id="9" name="Rectangle 8">
-            <a:extLst>
-              <a:ext uri="{FF2B5EF4-FFF2-40B4-BE49-F238E27FC236}">
-                <a16:creationId xmlns:a16="http://schemas.microsoft.com/office/drawing/2014/main" id="{94B339BE-A2AB-772A-31E7-1C2A54C9C7AE}"/>
-              </a:ext>
-            </a:extLst>
-          </p:cNvPr>
-          <p:cNvSpPr/>
-          <p:nvPr/>
-        </p:nvSpPr>
-        <p:spPr>
-          <a:xfrm>
-            <a:off x="10396539" y="600629"/>
-            <a:ext cx="425432" cy="718583"/>
-          </a:xfrm>
-          <a:prstGeom prst="rect">
-            <a:avLst/>
-          </a:prstGeom>
-          <a:solidFill>
-            <a:srgbClr val="FFFFFF"/>
-          </a:solidFill>
-          <a:ln>
-            <a:noFill/>
-          </a:ln>
-        </p:spPr>
-        <p:style>
-          <a:lnRef idx="2">
-            <a:schemeClr val="accent1">
-              <a:shade val="15000"/>
-            </a:schemeClr>
-          </a:lnRef>
-          <a:fillRef idx="1">
-            <a:schemeClr val="accent1"/>
-          </a:fillRef>
-          <a:effectRef idx="0">
-            <a:schemeClr val="accent1"/>
-          </a:effectRef>
-          <a:fontRef idx="minor">
-            <a:schemeClr val="lt1"/>
-          </a:fontRef>
-        </p:style>
-        <p:txBody>
-          <a:bodyPr rtlCol="0" anchor="ctr"/>
-          <a:lstStyle/>
-          <a:p>
-            <a:pPr algn="ctr"/>
-            <a:endParaRPr lang="en-US"/>
-          </a:p>
-        </p:txBody>
-      </p:sp>
-      <p:sp>
-        <p:nvSpPr>
-          <p:cNvPr id="10" name="Rectangle 9">
-            <a:extLst>
-              <a:ext uri="{FF2B5EF4-FFF2-40B4-BE49-F238E27FC236}">
-                <a16:creationId xmlns:a16="http://schemas.microsoft.com/office/drawing/2014/main" id="{CA8368CB-7EDA-840B-C3D4-E32C0D9567DC}"/>
-              </a:ext>
-            </a:extLst>
-          </p:cNvPr>
-          <p:cNvSpPr/>
-          <p:nvPr/>
-        </p:nvSpPr>
-        <p:spPr>
-          <a:xfrm>
-            <a:off x="6380217" y="1750027"/>
-            <a:ext cx="1422093" cy="215719"/>
-          </a:xfrm>
-          <a:prstGeom prst="rect">
-            <a:avLst/>
-          </a:prstGeom>
-          <a:solidFill>
-            <a:srgbClr val="F0F0F0"/>
-          </a:solidFill>
-          <a:ln>
-            <a:noFill/>
-          </a:ln>
-        </p:spPr>
-        <p:style>
-          <a:lnRef idx="2">
-            <a:schemeClr val="accent1">
-              <a:shade val="15000"/>
-            </a:schemeClr>
-          </a:lnRef>
-          <a:fillRef idx="1">
-            <a:schemeClr val="accent1"/>
-          </a:fillRef>
-          <a:effectRef idx="0">
-            <a:schemeClr val="accent1"/>
-          </a:effectRef>
-          <a:fontRef idx="minor">
-            <a:schemeClr val="lt1"/>
-          </a:fontRef>
-        </p:style>
-        <p:txBody>
-          <a:bodyPr rtlCol="0" anchor="ctr"/>
-          <a:lstStyle/>
-          <a:p>
-            <a:pPr algn="ctr"/>
-            <a:endParaRPr lang="en-US" dirty="0">
-              <a:solidFill>
-                <a:schemeClr val="tx2"/>
-              </a:solidFill>
-            </a:endParaRPr>
-          </a:p>
-        </p:txBody>
-      </p:sp>
-      <p:sp>
-        <p:nvSpPr>
-          <p:cNvPr id="11" name="Rectangle 10">
-            <a:extLst>
-              <a:ext uri="{FF2B5EF4-FFF2-40B4-BE49-F238E27FC236}">
-                <a16:creationId xmlns:a16="http://schemas.microsoft.com/office/drawing/2014/main" id="{A28526A9-C883-A4CA-4D29-0D69004B29B9}"/>
-              </a:ext>
-            </a:extLst>
-          </p:cNvPr>
-          <p:cNvSpPr/>
-          <p:nvPr/>
-        </p:nvSpPr>
-        <p:spPr>
-          <a:xfrm>
-            <a:off x="8050331" y="1693151"/>
-            <a:ext cx="1988115" cy="215719"/>
-          </a:xfrm>
-          <a:prstGeom prst="rect">
-            <a:avLst/>
-          </a:prstGeom>
-          <a:solidFill>
-            <a:srgbClr val="F0F0F0"/>
-          </a:solidFill>
-          <a:ln>
-            <a:noFill/>
-          </a:ln>
-        </p:spPr>
-        <p:style>
-          <a:lnRef idx="2">
-            <a:schemeClr val="accent1">
-              <a:shade val="15000"/>
-            </a:schemeClr>
-          </a:lnRef>
-          <a:fillRef idx="1">
-            <a:schemeClr val="accent1"/>
-          </a:fillRef>
-          <a:effectRef idx="0">
-            <a:schemeClr val="accent1"/>
-          </a:effectRef>
-          <a:fontRef idx="minor">
-            <a:schemeClr val="lt1"/>
-          </a:fontRef>
-        </p:style>
-        <p:txBody>
-          <a:bodyPr rtlCol="0" anchor="ctr"/>
-          <a:lstStyle/>
-          <a:p>
-            <a:pPr algn="ctr"/>
-            <a:r>
-              <a:rPr lang="de-DE" sz="1600" b="1" dirty="0">
-                <a:solidFill>
-                  <a:schemeClr val="tx2"/>
-                </a:solidFill>
-              </a:rPr>
-              <a:t>Docupulse</a:t>
-            </a:r>
-            <a:endParaRPr lang="en-US" sz="1600" b="1" dirty="0">
-              <a:solidFill>
-                <a:schemeClr val="tx2"/>
-              </a:solidFill>
-            </a:endParaRPr>
-          </a:p>
-        </p:txBody>
-      </p:sp>
-      <p:sp>
-        <p:nvSpPr>
-          <p:cNvPr id="12" name="Rectangle 11">
-            <a:extLst>
-              <a:ext uri="{FF2B5EF4-FFF2-40B4-BE49-F238E27FC236}">
-                <a16:creationId xmlns:a16="http://schemas.microsoft.com/office/drawing/2014/main" id="{2906D5C2-F8A4-6760-2573-FF3F84DB2BC9}"/>
-              </a:ext>
-            </a:extLst>
-          </p:cNvPr>
-          <p:cNvSpPr/>
-          <p:nvPr/>
-        </p:nvSpPr>
-        <p:spPr>
-          <a:xfrm>
-            <a:off x="10579694" y="1965744"/>
-            <a:ext cx="242277" cy="4832193"/>
-          </a:xfrm>
-          <a:prstGeom prst="rect">
-            <a:avLst/>
-          </a:prstGeom>
-          <a:solidFill>
-            <a:srgbClr val="F0F0F0"/>
-          </a:solidFill>
-          <a:ln>
-            <a:noFill/>
-          </a:ln>
-        </p:spPr>
-        <p:style>
-          <a:lnRef idx="2">
-            <a:schemeClr val="accent1">
-              <a:shade val="15000"/>
-            </a:schemeClr>
-          </a:lnRef>
-          <a:fillRef idx="1">
-            <a:schemeClr val="accent1"/>
-          </a:fillRef>
-          <a:effectRef idx="0">
-            <a:schemeClr val="accent1"/>
-          </a:effectRef>
-          <a:fontRef idx="minor">
-            <a:schemeClr val="lt1"/>
-          </a:fontRef>
-        </p:style>
-        <p:txBody>
-          <a:bodyPr rtlCol="0" anchor="ctr"/>
-          <a:lstStyle/>
-          <a:p>
-            <a:pPr algn="ctr"/>
-            <a:endParaRPr lang="en-US"/>
-          </a:p>
-        </p:txBody>
-      </p:sp>
-      <p:pic>
-        <p:nvPicPr>
-          <p:cNvPr id="7" name="Picture 6">
-            <a:extLst>
-              <a:ext uri="{FF2B5EF4-FFF2-40B4-BE49-F238E27FC236}">
-                <a16:creationId xmlns:a16="http://schemas.microsoft.com/office/drawing/2014/main" id="{177EB982-D02B-066B-9584-AF484D19E507}"/>
-              </a:ext>
-            </a:extLst>
-          </p:cNvPr>
-          <p:cNvPicPr>
-            <a:picLocks noChangeAspect="1"/>
-          </p:cNvPicPr>
-          <p:nvPr/>
-        </p:nvPicPr>
         <p:blipFill>
-          <a:blip r:embed="rId3"/>
-          <a:stretch>
-            <a:fillRect/>
-          </a:stretch>
-        </p:blipFill>
-        <p:spPr>
-          <a:xfrm>
-            <a:off x="6390623" y="1965745"/>
-            <a:ext cx="4257438" cy="4832192"/>
-          </a:xfrm>
-          <a:prstGeom prst="rect">
-            <a:avLst/>
-          </a:prstGeom>
-          <a:ln w="12700">
-            <a:solidFill>
-              <a:schemeClr val="accent1"/>
-            </a:solidFill>
-          </a:ln>
-        </p:spPr>
-      </p:pic>
-      <p:sp>
-        <p:nvSpPr>
-          <p:cNvPr id="13" name="Rectangle: Rounded Corners 12">
-            <a:extLst>
-              <a:ext uri="{FF2B5EF4-FFF2-40B4-BE49-F238E27FC236}">
-                <a16:creationId xmlns:a16="http://schemas.microsoft.com/office/drawing/2014/main" id="{1F071921-3E3B-0863-49EC-413C5A97613C}"/>
-              </a:ext>
-            </a:extLst>
-          </p:cNvPr>
-          <p:cNvSpPr/>
-          <p:nvPr/>
-        </p:nvSpPr>
-        <p:spPr>
-          <a:xfrm>
-            <a:off x="6739154" y="4386262"/>
-            <a:ext cx="3600234" cy="1204913"/>
-          </a:xfrm>
-          <a:prstGeom prst="roundRect">
-            <a:avLst>
-              <a:gd name="adj" fmla="val 2350"/>
-            </a:avLst>
-          </a:prstGeom>
-          <a:solidFill>
-            <a:srgbClr val="FF0000">
-              <a:alpha val="7000"/>
-            </a:srgbClr>
-          </a:solidFill>
-          <a:ln w="3175">
-            <a:solidFill>
-              <a:srgbClr val="C00000"/>
-            </a:solidFill>
-          </a:ln>
-        </p:spPr>
-        <p:style>
-          <a:lnRef idx="2">
-            <a:schemeClr val="accent1">
-              <a:shade val="15000"/>
-            </a:schemeClr>
-          </a:lnRef>
-          <a:fillRef idx="1">
-            <a:schemeClr val="accent1"/>
-          </a:fillRef>
-          <a:effectRef idx="0">
-            <a:schemeClr val="accent1"/>
-          </a:effectRef>
-          <a:fontRef idx="minor">
-            <a:schemeClr val="lt1"/>
-          </a:fontRef>
-        </p:style>
-        <p:txBody>
-          <a:bodyPr rtlCol="0" anchor="t" anchorCtr="0"/>
-          <a:lstStyle/>
-          <a:p>
-            <a:endParaRPr lang="en-US" b="1" dirty="0">
-              <a:solidFill>
-                <a:schemeClr val="tx1"/>
-              </a:solidFill>
-            </a:endParaRPr>
-          </a:p>
-        </p:txBody>
-      </p:sp>
-      <p:pic>
-        <p:nvPicPr>
-          <p:cNvPr id="17" name="Graphic 16" descr="Cursor with solid fill">
-            <a:extLst>
-              <a:ext uri="{FF2B5EF4-FFF2-40B4-BE49-F238E27FC236}">
-                <a16:creationId xmlns:a16="http://schemas.microsoft.com/office/drawing/2014/main" id="{E244A8A0-1C93-4F82-00EA-BA25ACC01F2E}"/>
-              </a:ext>
-            </a:extLst>
-          </p:cNvPr>
-          <p:cNvPicPr>
-            <a:picLocks noChangeAspect="1"/>
-          </p:cNvPicPr>
-          <p:nvPr/>
-        </p:nvPicPr>
-        <p:blipFill>
-          <a:blip r:embed="rId4">
+          <a:blip r:embed="rId2">
             <a:extLst>
               <a:ext uri="{28A0092B-C50C-407E-A947-70E740481C1C}">
                 <a14:useLocalDpi xmlns:a14="http://schemas.microsoft.com/office/drawing/2010/main" val="0"/>
               </a:ext>
               <a:ext uri="{96DAC541-7B7A-43D3-8B79-37D633B846F1}">
-                <asvg:svgBlip xmlns:asvg="http://schemas.microsoft.com/office/drawing/2016/SVG/main" r:embed="rId5"/>
+                <asvg:svgBlip xmlns:asvg="http://schemas.microsoft.com/office/drawing/2016/SVG/main" r:embed="rId3"/>
               </a:ext>
             </a:extLst>
           </a:blip>
@@ -9359,8 +9469,203 @@
         </p:blipFill>
         <p:spPr>
           <a:xfrm>
-            <a:off x="10070099" y="5397535"/>
-            <a:ext cx="389442" cy="389442"/>
+            <a:off x="5545317" y="1395167"/>
+            <a:ext cx="677159" cy="677159"/>
+          </a:xfrm>
+          <a:prstGeom prst="rect">
+            <a:avLst/>
+          </a:prstGeom>
+        </p:spPr>
+      </p:pic>
+      <p:pic>
+        <p:nvPicPr>
+          <p:cNvPr id="15" name="Graphic 14" descr="Pause with solid fill">
+            <a:extLst>
+              <a:ext uri="{FF2B5EF4-FFF2-40B4-BE49-F238E27FC236}">
+                <a16:creationId xmlns:a16="http://schemas.microsoft.com/office/drawing/2014/main" id="{9E44D59F-86D6-D73E-3810-0DC69D38653A}"/>
+              </a:ext>
+            </a:extLst>
+          </p:cNvPr>
+          <p:cNvPicPr>
+            <a:picLocks noChangeAspect="1"/>
+          </p:cNvPicPr>
+          <p:nvPr/>
+        </p:nvPicPr>
+        <p:blipFill>
+          <a:blip r:embed="rId4">
+            <a:extLst>
+              <a:ext uri="{28A0092B-C50C-407E-A947-70E740481C1C}">
+                <a14:useLocalDpi xmlns:a14="http://schemas.microsoft.com/office/drawing/2010/main" val="0"/>
+              </a:ext>
+              <a:ext uri="{96DAC541-7B7A-43D3-8B79-37D633B846F1}">
+                <asvg:svgBlip xmlns:asvg="http://schemas.microsoft.com/office/drawing/2016/SVG/main" r:embed="rId5"/>
+              </a:ext>
+            </a:extLst>
+          </a:blip>
+          <a:stretch>
+            <a:fillRect/>
+          </a:stretch>
+        </p:blipFill>
+        <p:spPr>
+          <a:xfrm>
+            <a:off x="5533904" y="2982797"/>
+            <a:ext cx="571893" cy="571893"/>
+          </a:xfrm>
+          <a:prstGeom prst="rect">
+            <a:avLst/>
+          </a:prstGeom>
+        </p:spPr>
+      </p:pic>
+      <p:pic>
+        <p:nvPicPr>
+          <p:cNvPr id="17" name="Graphic 16" descr="Hourglass Finished with solid fill">
+            <a:extLst>
+              <a:ext uri="{FF2B5EF4-FFF2-40B4-BE49-F238E27FC236}">
+                <a16:creationId xmlns:a16="http://schemas.microsoft.com/office/drawing/2014/main" id="{C8761B6B-621D-6361-5598-FAAF276A9BD6}"/>
+              </a:ext>
+            </a:extLst>
+          </p:cNvPr>
+          <p:cNvPicPr>
+            <a:picLocks noChangeAspect="1"/>
+          </p:cNvPicPr>
+          <p:nvPr/>
+        </p:nvPicPr>
+        <p:blipFill>
+          <a:blip r:embed="rId6">
+            <a:extLst>
+              <a:ext uri="{28A0092B-C50C-407E-A947-70E740481C1C}">
+                <a14:useLocalDpi xmlns:a14="http://schemas.microsoft.com/office/drawing/2010/main" val="0"/>
+              </a:ext>
+              <a:ext uri="{96DAC541-7B7A-43D3-8B79-37D633B846F1}">
+                <asvg:svgBlip xmlns:asvg="http://schemas.microsoft.com/office/drawing/2016/SVG/main" r:embed="rId7"/>
+              </a:ext>
+            </a:extLst>
+          </a:blip>
+          <a:stretch>
+            <a:fillRect/>
+          </a:stretch>
+        </p:blipFill>
+        <p:spPr>
+          <a:xfrm>
+            <a:off x="5558650" y="4183142"/>
+            <a:ext cx="490194" cy="490194"/>
+          </a:xfrm>
+          <a:prstGeom prst="rect">
+            <a:avLst/>
+          </a:prstGeom>
+        </p:spPr>
+      </p:pic>
+      <p:pic>
+        <p:nvPicPr>
+          <p:cNvPr id="18" name="Graphic 17" descr="Checkmark with solid fill">
+            <a:extLst>
+              <a:ext uri="{FF2B5EF4-FFF2-40B4-BE49-F238E27FC236}">
+                <a16:creationId xmlns:a16="http://schemas.microsoft.com/office/drawing/2014/main" id="{516D19AA-FC6D-A526-237E-FA27D72FB056}"/>
+              </a:ext>
+            </a:extLst>
+          </p:cNvPr>
+          <p:cNvPicPr>
+            <a:picLocks noChangeAspect="1"/>
+          </p:cNvPicPr>
+          <p:nvPr/>
+        </p:nvPicPr>
+        <p:blipFill>
+          <a:blip r:embed="rId2">
+            <a:extLst>
+              <a:ext uri="{28A0092B-C50C-407E-A947-70E740481C1C}">
+                <a14:useLocalDpi xmlns:a14="http://schemas.microsoft.com/office/drawing/2010/main" val="0"/>
+              </a:ext>
+              <a:ext uri="{96DAC541-7B7A-43D3-8B79-37D633B846F1}">
+                <asvg:svgBlip xmlns:asvg="http://schemas.microsoft.com/office/drawing/2016/SVG/main" r:embed="rId3"/>
+              </a:ext>
+            </a:extLst>
+          </a:blip>
+          <a:stretch>
+            <a:fillRect/>
+          </a:stretch>
+        </p:blipFill>
+        <p:spPr>
+          <a:xfrm>
+            <a:off x="5524107" y="1902642"/>
+            <a:ext cx="677159" cy="677159"/>
+          </a:xfrm>
+          <a:prstGeom prst="rect">
+            <a:avLst/>
+          </a:prstGeom>
+        </p:spPr>
+      </p:pic>
+      <p:pic>
+        <p:nvPicPr>
+          <p:cNvPr id="19" name="Graphic 18" descr="Checkmark with solid fill">
+            <a:extLst>
+              <a:ext uri="{FF2B5EF4-FFF2-40B4-BE49-F238E27FC236}">
+                <a16:creationId xmlns:a16="http://schemas.microsoft.com/office/drawing/2014/main" id="{BB1E95D2-6AA9-9AF9-5020-06C0A2BB1094}"/>
+              </a:ext>
+            </a:extLst>
+          </p:cNvPr>
+          <p:cNvPicPr>
+            <a:picLocks noChangeAspect="1"/>
+          </p:cNvPicPr>
+          <p:nvPr/>
+        </p:nvPicPr>
+        <p:blipFill>
+          <a:blip r:embed="rId2">
+            <a:extLst>
+              <a:ext uri="{28A0092B-C50C-407E-A947-70E740481C1C}">
+                <a14:useLocalDpi xmlns:a14="http://schemas.microsoft.com/office/drawing/2010/main" val="0"/>
+              </a:ext>
+              <a:ext uri="{96DAC541-7B7A-43D3-8B79-37D633B846F1}">
+                <asvg:svgBlip xmlns:asvg="http://schemas.microsoft.com/office/drawing/2016/SVG/main" r:embed="rId3"/>
+              </a:ext>
+            </a:extLst>
+          </a:blip>
+          <a:stretch>
+            <a:fillRect/>
+          </a:stretch>
+        </p:blipFill>
+        <p:spPr>
+          <a:xfrm>
+            <a:off x="5524107" y="2336279"/>
+            <a:ext cx="677159" cy="677159"/>
+          </a:xfrm>
+          <a:prstGeom prst="rect">
+            <a:avLst/>
+          </a:prstGeom>
+        </p:spPr>
+      </p:pic>
+      <p:pic>
+        <p:nvPicPr>
+          <p:cNvPr id="20" name="Graphic 19" descr="Checkmark with solid fill">
+            <a:extLst>
+              <a:ext uri="{FF2B5EF4-FFF2-40B4-BE49-F238E27FC236}">
+                <a16:creationId xmlns:a16="http://schemas.microsoft.com/office/drawing/2014/main" id="{E74C9A8B-6DA6-A91E-7397-CE34E8CD30A5}"/>
+              </a:ext>
+            </a:extLst>
+          </p:cNvPr>
+          <p:cNvPicPr>
+            <a:picLocks noChangeAspect="1"/>
+          </p:cNvPicPr>
+          <p:nvPr/>
+        </p:nvPicPr>
+        <p:blipFill>
+          <a:blip r:embed="rId2">
+            <a:extLst>
+              <a:ext uri="{28A0092B-C50C-407E-A947-70E740481C1C}">
+                <a14:useLocalDpi xmlns:a14="http://schemas.microsoft.com/office/drawing/2010/main" val="0"/>
+              </a:ext>
+              <a:ext uri="{96DAC541-7B7A-43D3-8B79-37D633B846F1}">
+                <asvg:svgBlip xmlns:asvg="http://schemas.microsoft.com/office/drawing/2016/SVG/main" r:embed="rId3"/>
+              </a:ext>
+            </a:extLst>
+          </a:blip>
+          <a:stretch>
+            <a:fillRect/>
+          </a:stretch>
+        </p:blipFill>
+        <p:spPr>
+          <a:xfrm>
+            <a:off x="5558650" y="3505983"/>
+            <a:ext cx="677159" cy="677159"/>
           </a:xfrm>
           <a:prstGeom prst="rect">
             <a:avLst/>
@@ -9370,7 +9675,7 @@
     </p:spTree>
     <p:extLst>
       <p:ext uri="{BB962C8B-B14F-4D97-AF65-F5344CB8AC3E}">
-        <p14:creationId xmlns:p14="http://schemas.microsoft.com/office/powerpoint/2010/main" val="4289706189"/>
+        <p14:creationId xmlns:p14="http://schemas.microsoft.com/office/powerpoint/2010/main" val="547729540"/>
       </p:ext>
     </p:extLst>
   </p:cSld>
